--- a/ref/Live-Cell_Tracking_using_Phase_Stretch_Transform.pptx
+++ b/ref/Live-Cell_Tracking_using_Phase_Stretch_Transform.pptx
@@ -4,14 +4,23 @@
   <p:sldMasterIdLst>
     <p:sldMasterId id="2147483852" r:id="rId1"/>
   </p:sldMasterIdLst>
+  <p:notesMasterIdLst>
+    <p:notesMasterId r:id="rId15"/>
+  </p:notesMasterIdLst>
   <p:sldIdLst>
     <p:sldId id="256" r:id="rId2"/>
-    <p:sldId id="258" r:id="rId3"/>
-    <p:sldId id="262" r:id="rId4"/>
-    <p:sldId id="263" r:id="rId5"/>
-    <p:sldId id="259" r:id="rId6"/>
-    <p:sldId id="260" r:id="rId7"/>
-    <p:sldId id="261" r:id="rId8"/>
+    <p:sldId id="265" r:id="rId3"/>
+    <p:sldId id="264" r:id="rId4"/>
+    <p:sldId id="258" r:id="rId5"/>
+    <p:sldId id="262" r:id="rId6"/>
+    <p:sldId id="263" r:id="rId7"/>
+    <p:sldId id="267" r:id="rId8"/>
+    <p:sldId id="259" r:id="rId9"/>
+    <p:sldId id="268" r:id="rId10"/>
+    <p:sldId id="271" r:id="rId11"/>
+    <p:sldId id="269" r:id="rId12"/>
+    <p:sldId id="272" r:id="rId13"/>
+    <p:sldId id="261" r:id="rId14"/>
   </p:sldIdLst>
   <p:sldSz cx="9144000" cy="6858000" type="screen4x3"/>
   <p:notesSz cx="6858000" cy="9144000"/>
@@ -110,7 +119,936 @@
       </a:defRPr>
     </a:lvl9pPr>
   </p:defaultTextStyle>
+  <p:extLst>
+    <p:ext uri="{EFAFB233-063F-42B5-8137-9DF3F51BA10A}">
+      <p15:sldGuideLst xmlns:p15="http://schemas.microsoft.com/office/powerpoint/2012/main">
+        <p15:guide id="1" orient="horz" pos="2160">
+          <p15:clr>
+            <a:srgbClr val="A4A3A4"/>
+          </p15:clr>
+        </p15:guide>
+        <p15:guide id="2" pos="2880">
+          <p15:clr>
+            <a:srgbClr val="A4A3A4"/>
+          </p15:clr>
+        </p15:guide>
+      </p15:sldGuideLst>
+    </p:ext>
+  </p:extLst>
 </p:presentation>
+</file>
+
+<file path=ppt/notesMasters/notesMaster1.xml><?xml version="1.0" encoding="utf-8"?>
+<p:notesMaster xmlns:a="http://schemas.openxmlformats.org/drawingml/2006/main" xmlns:r="http://schemas.openxmlformats.org/officeDocument/2006/relationships" xmlns:p="http://schemas.openxmlformats.org/presentationml/2006/main">
+  <p:cSld>
+    <p:bg>
+      <p:bgRef idx="1001">
+        <a:schemeClr val="bg1"/>
+      </p:bgRef>
+    </p:bg>
+    <p:spTree>
+      <p:nvGrpSpPr>
+        <p:cNvPr id="1" name=""/>
+        <p:cNvGrpSpPr/>
+        <p:nvPr/>
+      </p:nvGrpSpPr>
+      <p:grpSpPr>
+        <a:xfrm>
+          <a:off x="0" y="0"/>
+          <a:ext cx="0" cy="0"/>
+          <a:chOff x="0" y="0"/>
+          <a:chExt cx="0" cy="0"/>
+        </a:xfrm>
+      </p:grpSpPr>
+      <p:sp>
+        <p:nvSpPr>
+          <p:cNvPr id="2" name="Header Placeholder 1"/>
+          <p:cNvSpPr>
+            <a:spLocks noGrp="1"/>
+          </p:cNvSpPr>
+          <p:nvPr>
+            <p:ph type="hdr" sz="quarter"/>
+          </p:nvPr>
+        </p:nvSpPr>
+        <p:spPr>
+          <a:xfrm>
+            <a:off x="0" y="0"/>
+            <a:ext cx="2971800" cy="457200"/>
+          </a:xfrm>
+          <a:prstGeom prst="rect">
+            <a:avLst/>
+          </a:prstGeom>
+        </p:spPr>
+        <p:txBody>
+          <a:bodyPr vert="horz" lIns="91440" tIns="45720" rIns="91440" bIns="45720" rtlCol="0"/>
+          <a:lstStyle>
+            <a:lvl1pPr algn="l">
+              <a:defRPr sz="1200"/>
+            </a:lvl1pPr>
+          </a:lstStyle>
+          <a:p>
+            <a:endParaRPr lang="en-US"/>
+          </a:p>
+        </p:txBody>
+      </p:sp>
+      <p:sp>
+        <p:nvSpPr>
+          <p:cNvPr id="3" name="Date Placeholder 2"/>
+          <p:cNvSpPr>
+            <a:spLocks noGrp="1"/>
+          </p:cNvSpPr>
+          <p:nvPr>
+            <p:ph type="dt" idx="1"/>
+          </p:nvPr>
+        </p:nvSpPr>
+        <p:spPr>
+          <a:xfrm>
+            <a:off x="3884613" y="0"/>
+            <a:ext cx="2971800" cy="457200"/>
+          </a:xfrm>
+          <a:prstGeom prst="rect">
+            <a:avLst/>
+          </a:prstGeom>
+        </p:spPr>
+        <p:txBody>
+          <a:bodyPr vert="horz" lIns="91440" tIns="45720" rIns="91440" bIns="45720" rtlCol="0"/>
+          <a:lstStyle>
+            <a:lvl1pPr algn="r">
+              <a:defRPr sz="1200"/>
+            </a:lvl1pPr>
+          </a:lstStyle>
+          <a:p>
+            <a:fld id="{1CB90C3B-E2B3-4807-8DA7-450E2EC4A722}" type="datetimeFigureOut">
+              <a:rPr lang="en-US" smtClean="0"/>
+              <a:pPr/>
+              <a:t>5/4/2021</a:t>
+            </a:fld>
+            <a:endParaRPr lang="en-US"/>
+          </a:p>
+        </p:txBody>
+      </p:sp>
+      <p:sp>
+        <p:nvSpPr>
+          <p:cNvPr id="4" name="Slide Image Placeholder 3"/>
+          <p:cNvSpPr>
+            <a:spLocks noGrp="1" noRot="1" noChangeAspect="1"/>
+          </p:cNvSpPr>
+          <p:nvPr>
+            <p:ph type="sldImg" idx="2"/>
+          </p:nvPr>
+        </p:nvSpPr>
+        <p:spPr>
+          <a:xfrm>
+            <a:off x="1143000" y="685800"/>
+            <a:ext cx="4572000" cy="3429000"/>
+          </a:xfrm>
+          <a:prstGeom prst="rect">
+            <a:avLst/>
+          </a:prstGeom>
+          <a:noFill/>
+          <a:ln w="12700">
+            <a:solidFill>
+              <a:prstClr val="black"/>
+            </a:solidFill>
+          </a:ln>
+        </p:spPr>
+        <p:txBody>
+          <a:bodyPr vert="horz" lIns="91440" tIns="45720" rIns="91440" bIns="45720" rtlCol="0" anchor="ctr"/>
+          <a:lstStyle/>
+          <a:p>
+            <a:endParaRPr lang="en-US"/>
+          </a:p>
+        </p:txBody>
+      </p:sp>
+      <p:sp>
+        <p:nvSpPr>
+          <p:cNvPr id="5" name="Notes Placeholder 4"/>
+          <p:cNvSpPr>
+            <a:spLocks noGrp="1"/>
+          </p:cNvSpPr>
+          <p:nvPr>
+            <p:ph type="body" sz="quarter" idx="3"/>
+          </p:nvPr>
+        </p:nvSpPr>
+        <p:spPr>
+          <a:xfrm>
+            <a:off x="685800" y="4343400"/>
+            <a:ext cx="5486400" cy="4114800"/>
+          </a:xfrm>
+          <a:prstGeom prst="rect">
+            <a:avLst/>
+          </a:prstGeom>
+        </p:spPr>
+        <p:txBody>
+          <a:bodyPr vert="horz" lIns="91440" tIns="45720" rIns="91440" bIns="45720" rtlCol="0">
+            <a:normAutofit/>
+          </a:bodyPr>
+          <a:lstStyle/>
+          <a:p>
+            <a:pPr lvl="0"/>
+            <a:r>
+              <a:rPr lang="en-US" smtClean="0"/>
+              <a:t>Click to edit Master text styles</a:t>
+            </a:r>
+          </a:p>
+          <a:p>
+            <a:pPr lvl="1"/>
+            <a:r>
+              <a:rPr lang="en-US" smtClean="0"/>
+              <a:t>Second level</a:t>
+            </a:r>
+          </a:p>
+          <a:p>
+            <a:pPr lvl="2"/>
+            <a:r>
+              <a:rPr lang="en-US" smtClean="0"/>
+              <a:t>Third level</a:t>
+            </a:r>
+          </a:p>
+          <a:p>
+            <a:pPr lvl="3"/>
+            <a:r>
+              <a:rPr lang="en-US" smtClean="0"/>
+              <a:t>Fourth level</a:t>
+            </a:r>
+          </a:p>
+          <a:p>
+            <a:pPr lvl="4"/>
+            <a:r>
+              <a:rPr lang="en-US" smtClean="0"/>
+              <a:t>Fifth level</a:t>
+            </a:r>
+            <a:endParaRPr lang="en-US"/>
+          </a:p>
+        </p:txBody>
+      </p:sp>
+      <p:sp>
+        <p:nvSpPr>
+          <p:cNvPr id="6" name="Footer Placeholder 5"/>
+          <p:cNvSpPr>
+            <a:spLocks noGrp="1"/>
+          </p:cNvSpPr>
+          <p:nvPr>
+            <p:ph type="ftr" sz="quarter" idx="4"/>
+          </p:nvPr>
+        </p:nvSpPr>
+        <p:spPr>
+          <a:xfrm>
+            <a:off x="0" y="8685213"/>
+            <a:ext cx="2971800" cy="457200"/>
+          </a:xfrm>
+          <a:prstGeom prst="rect">
+            <a:avLst/>
+          </a:prstGeom>
+        </p:spPr>
+        <p:txBody>
+          <a:bodyPr vert="horz" lIns="91440" tIns="45720" rIns="91440" bIns="45720" rtlCol="0" anchor="b"/>
+          <a:lstStyle>
+            <a:lvl1pPr algn="l">
+              <a:defRPr sz="1200"/>
+            </a:lvl1pPr>
+          </a:lstStyle>
+          <a:p>
+            <a:endParaRPr lang="en-US"/>
+          </a:p>
+        </p:txBody>
+      </p:sp>
+      <p:sp>
+        <p:nvSpPr>
+          <p:cNvPr id="7" name="Slide Number Placeholder 6"/>
+          <p:cNvSpPr>
+            <a:spLocks noGrp="1"/>
+          </p:cNvSpPr>
+          <p:nvPr>
+            <p:ph type="sldNum" sz="quarter" idx="5"/>
+          </p:nvPr>
+        </p:nvSpPr>
+        <p:spPr>
+          <a:xfrm>
+            <a:off x="3884613" y="8685213"/>
+            <a:ext cx="2971800" cy="457200"/>
+          </a:xfrm>
+          <a:prstGeom prst="rect">
+            <a:avLst/>
+          </a:prstGeom>
+        </p:spPr>
+        <p:txBody>
+          <a:bodyPr vert="horz" lIns="91440" tIns="45720" rIns="91440" bIns="45720" rtlCol="0" anchor="b"/>
+          <a:lstStyle>
+            <a:lvl1pPr algn="r">
+              <a:defRPr sz="1200"/>
+            </a:lvl1pPr>
+          </a:lstStyle>
+          <a:p>
+            <a:fld id="{AE4BCEA0-5B06-456F-A1A3-51F35B1847FD}" type="slidenum">
+              <a:rPr lang="en-US" smtClean="0"/>
+              <a:pPr/>
+              <a:t>‹#›</a:t>
+            </a:fld>
+            <a:endParaRPr lang="en-US"/>
+          </a:p>
+        </p:txBody>
+      </p:sp>
+    </p:spTree>
+  </p:cSld>
+  <p:clrMap bg1="lt1" tx1="dk1" bg2="lt2" tx2="dk2" accent1="accent1" accent2="accent2" accent3="accent3" accent4="accent4" accent5="accent5" accent6="accent6" hlink="hlink" folHlink="folHlink"/>
+  <p:notesStyle>
+    <a:lvl1pPr marL="0" algn="l" defTabSz="914400" rtl="0" eaLnBrk="1" latinLnBrk="0" hangingPunct="1">
+      <a:defRPr sz="1200" kern="1200">
+        <a:solidFill>
+          <a:schemeClr val="tx1"/>
+        </a:solidFill>
+        <a:latin typeface="+mn-lt"/>
+        <a:ea typeface="+mn-ea"/>
+        <a:cs typeface="+mn-cs"/>
+      </a:defRPr>
+    </a:lvl1pPr>
+    <a:lvl2pPr marL="457200" algn="l" defTabSz="914400" rtl="0" eaLnBrk="1" latinLnBrk="0" hangingPunct="1">
+      <a:defRPr sz="1200" kern="1200">
+        <a:solidFill>
+          <a:schemeClr val="tx1"/>
+        </a:solidFill>
+        <a:latin typeface="+mn-lt"/>
+        <a:ea typeface="+mn-ea"/>
+        <a:cs typeface="+mn-cs"/>
+      </a:defRPr>
+    </a:lvl2pPr>
+    <a:lvl3pPr marL="914400" algn="l" defTabSz="914400" rtl="0" eaLnBrk="1" latinLnBrk="0" hangingPunct="1">
+      <a:defRPr sz="1200" kern="1200">
+        <a:solidFill>
+          <a:schemeClr val="tx1"/>
+        </a:solidFill>
+        <a:latin typeface="+mn-lt"/>
+        <a:ea typeface="+mn-ea"/>
+        <a:cs typeface="+mn-cs"/>
+      </a:defRPr>
+    </a:lvl3pPr>
+    <a:lvl4pPr marL="1371600" algn="l" defTabSz="914400" rtl="0" eaLnBrk="1" latinLnBrk="0" hangingPunct="1">
+      <a:defRPr sz="1200" kern="1200">
+        <a:solidFill>
+          <a:schemeClr val="tx1"/>
+        </a:solidFill>
+        <a:latin typeface="+mn-lt"/>
+        <a:ea typeface="+mn-ea"/>
+        <a:cs typeface="+mn-cs"/>
+      </a:defRPr>
+    </a:lvl4pPr>
+    <a:lvl5pPr marL="1828800" algn="l" defTabSz="914400" rtl="0" eaLnBrk="1" latinLnBrk="0" hangingPunct="1">
+      <a:defRPr sz="1200" kern="1200">
+        <a:solidFill>
+          <a:schemeClr val="tx1"/>
+        </a:solidFill>
+        <a:latin typeface="+mn-lt"/>
+        <a:ea typeface="+mn-ea"/>
+        <a:cs typeface="+mn-cs"/>
+      </a:defRPr>
+    </a:lvl5pPr>
+    <a:lvl6pPr marL="2286000" algn="l" defTabSz="914400" rtl="0" eaLnBrk="1" latinLnBrk="0" hangingPunct="1">
+      <a:defRPr sz="1200" kern="1200">
+        <a:solidFill>
+          <a:schemeClr val="tx1"/>
+        </a:solidFill>
+        <a:latin typeface="+mn-lt"/>
+        <a:ea typeface="+mn-ea"/>
+        <a:cs typeface="+mn-cs"/>
+      </a:defRPr>
+    </a:lvl6pPr>
+    <a:lvl7pPr marL="2743200" algn="l" defTabSz="914400" rtl="0" eaLnBrk="1" latinLnBrk="0" hangingPunct="1">
+      <a:defRPr sz="1200" kern="1200">
+        <a:solidFill>
+          <a:schemeClr val="tx1"/>
+        </a:solidFill>
+        <a:latin typeface="+mn-lt"/>
+        <a:ea typeface="+mn-ea"/>
+        <a:cs typeface="+mn-cs"/>
+      </a:defRPr>
+    </a:lvl7pPr>
+    <a:lvl8pPr marL="3200400" algn="l" defTabSz="914400" rtl="0" eaLnBrk="1" latinLnBrk="0" hangingPunct="1">
+      <a:defRPr sz="1200" kern="1200">
+        <a:solidFill>
+          <a:schemeClr val="tx1"/>
+        </a:solidFill>
+        <a:latin typeface="+mn-lt"/>
+        <a:ea typeface="+mn-ea"/>
+        <a:cs typeface="+mn-cs"/>
+      </a:defRPr>
+    </a:lvl8pPr>
+    <a:lvl9pPr marL="3657600" algn="l" defTabSz="914400" rtl="0" eaLnBrk="1" latinLnBrk="0" hangingPunct="1">
+      <a:defRPr sz="1200" kern="1200">
+        <a:solidFill>
+          <a:schemeClr val="tx1"/>
+        </a:solidFill>
+        <a:latin typeface="+mn-lt"/>
+        <a:ea typeface="+mn-ea"/>
+        <a:cs typeface="+mn-cs"/>
+      </a:defRPr>
+    </a:lvl9pPr>
+  </p:notesStyle>
+</p:notesMaster>
+</file>
+
+<file path=ppt/notesSlides/notesSlide1.xml><?xml version="1.0" encoding="utf-8"?>
+<p:notes xmlns:a="http://schemas.openxmlformats.org/drawingml/2006/main" xmlns:r="http://schemas.openxmlformats.org/officeDocument/2006/relationships" xmlns:p="http://schemas.openxmlformats.org/presentationml/2006/main">
+  <p:cSld>
+    <p:spTree>
+      <p:nvGrpSpPr>
+        <p:cNvPr id="1" name=""/>
+        <p:cNvGrpSpPr/>
+        <p:nvPr/>
+      </p:nvGrpSpPr>
+      <p:grpSpPr>
+        <a:xfrm>
+          <a:off x="0" y="0"/>
+          <a:ext cx="0" cy="0"/>
+          <a:chOff x="0" y="0"/>
+          <a:chExt cx="0" cy="0"/>
+        </a:xfrm>
+      </p:grpSpPr>
+      <p:sp>
+        <p:nvSpPr>
+          <p:cNvPr id="2" name="Slide Image Placeholder 1"/>
+          <p:cNvSpPr>
+            <a:spLocks noGrp="1" noRot="1" noChangeAspect="1"/>
+          </p:cNvSpPr>
+          <p:nvPr>
+            <p:ph type="sldImg"/>
+          </p:nvPr>
+        </p:nvSpPr>
+        <p:spPr/>
+      </p:sp>
+      <p:sp>
+        <p:nvSpPr>
+          <p:cNvPr id="3" name="Notes Placeholder 2"/>
+          <p:cNvSpPr>
+            <a:spLocks noGrp="1"/>
+          </p:cNvSpPr>
+          <p:nvPr>
+            <p:ph type="body" idx="1"/>
+          </p:nvPr>
+        </p:nvSpPr>
+        <p:spPr/>
+        <p:txBody>
+          <a:bodyPr/>
+          <a:lstStyle/>
+          <a:p>
+            <a:r>
+              <a:rPr lang="en-US" dirty="0" smtClean="0"/>
+              <a:t>PST is a fundamentally different approach to algorithm design.</a:t>
+            </a:r>
+            <a:r>
+              <a:rPr lang="en-US" baseline="0" dirty="0" smtClean="0"/>
+              <a:t> Whereas </a:t>
+            </a:r>
+            <a:r>
+              <a:rPr lang="en-US" baseline="0" dirty="0" err="1" smtClean="0"/>
+              <a:t>algs</a:t>
+            </a:r>
+            <a:r>
+              <a:rPr lang="en-US" baseline="0" dirty="0" smtClean="0"/>
+              <a:t> in CS are designed by ,</a:t>
+            </a:r>
+            <a:r>
+              <a:rPr lang="en-US" baseline="0" dirty="0" err="1" smtClean="0"/>
+              <a:t>athematics</a:t>
+            </a:r>
+            <a:r>
+              <a:rPr lang="en-US" baseline="0" dirty="0" smtClean="0"/>
+              <a:t>, the PST seeks to emulate physics and apply it to imaging</a:t>
+            </a:r>
+            <a:endParaRPr lang="en-US" dirty="0"/>
+          </a:p>
+        </p:txBody>
+      </p:sp>
+      <p:sp>
+        <p:nvSpPr>
+          <p:cNvPr id="4" name="Slide Number Placeholder 3"/>
+          <p:cNvSpPr>
+            <a:spLocks noGrp="1"/>
+          </p:cNvSpPr>
+          <p:nvPr>
+            <p:ph type="sldNum" sz="quarter" idx="10"/>
+          </p:nvPr>
+        </p:nvSpPr>
+        <p:spPr/>
+        <p:txBody>
+          <a:bodyPr/>
+          <a:lstStyle/>
+          <a:p>
+            <a:fld id="{AE4BCEA0-5B06-456F-A1A3-51F35B1847FD}" type="slidenum">
+              <a:rPr lang="en-US" smtClean="0"/>
+              <a:pPr/>
+              <a:t>5</a:t>
+            </a:fld>
+            <a:endParaRPr lang="en-US"/>
+          </a:p>
+        </p:txBody>
+      </p:sp>
+    </p:spTree>
+    <p:extLst>
+      <p:ext uri="{BB962C8B-B14F-4D97-AF65-F5344CB8AC3E}">
+        <p14:creationId xmlns:p14="http://schemas.microsoft.com/office/powerpoint/2010/main" val="625194608"/>
+      </p:ext>
+    </p:extLst>
+  </p:cSld>
+  <p:clrMapOvr>
+    <a:masterClrMapping/>
+  </p:clrMapOvr>
+</p:notes>
+</file>
+
+<file path=ppt/notesSlides/notesSlide2.xml><?xml version="1.0" encoding="utf-8"?>
+<p:notes xmlns:a="http://schemas.openxmlformats.org/drawingml/2006/main" xmlns:r="http://schemas.openxmlformats.org/officeDocument/2006/relationships" xmlns:p="http://schemas.openxmlformats.org/presentationml/2006/main">
+  <p:cSld>
+    <p:spTree>
+      <p:nvGrpSpPr>
+        <p:cNvPr id="1" name=""/>
+        <p:cNvGrpSpPr/>
+        <p:nvPr/>
+      </p:nvGrpSpPr>
+      <p:grpSpPr>
+        <a:xfrm>
+          <a:off x="0" y="0"/>
+          <a:ext cx="0" cy="0"/>
+          <a:chOff x="0" y="0"/>
+          <a:chExt cx="0" cy="0"/>
+        </a:xfrm>
+      </p:grpSpPr>
+      <p:sp>
+        <p:nvSpPr>
+          <p:cNvPr id="2" name="Slide Image Placeholder 1"/>
+          <p:cNvSpPr>
+            <a:spLocks noGrp="1" noRot="1" noChangeAspect="1"/>
+          </p:cNvSpPr>
+          <p:nvPr>
+            <p:ph type="sldImg"/>
+          </p:nvPr>
+        </p:nvSpPr>
+        <p:spPr/>
+      </p:sp>
+      <p:sp>
+        <p:nvSpPr>
+          <p:cNvPr id="3" name="Notes Placeholder 2"/>
+          <p:cNvSpPr>
+            <a:spLocks noGrp="1"/>
+          </p:cNvSpPr>
+          <p:nvPr>
+            <p:ph type="body" idx="1"/>
+          </p:nvPr>
+        </p:nvSpPr>
+        <p:spPr/>
+        <p:txBody>
+          <a:bodyPr>
+            <a:normAutofit/>
+          </a:bodyPr>
+          <a:lstStyle/>
+          <a:p>
+            <a:r>
+              <a:rPr lang="en-US" dirty="0" smtClean="0"/>
+              <a:t>-P and q are two dimensional frequency </a:t>
+            </a:r>
+            <a:r>
+              <a:rPr lang="en-US" dirty="0" smtClean="0"/>
+              <a:t>variables and A is the phase image</a:t>
+            </a:r>
+            <a:endParaRPr lang="en-US" dirty="0" smtClean="0"/>
+          </a:p>
+          <a:p>
+            <a:r>
+              <a:rPr lang="en-US" dirty="0" smtClean="0"/>
+              <a:t>-</a:t>
+            </a:r>
+          </a:p>
+          <a:p>
+            <a:r>
+              <a:rPr lang="en-US" dirty="0" smtClean="0"/>
+              <a:t>-The function</a:t>
+            </a:r>
+            <a:r>
+              <a:rPr lang="en-US" baseline="0" dirty="0" smtClean="0"/>
+              <a:t> L is the frequency response of the localization kernel and K is the frequency dependent phase</a:t>
+            </a:r>
+          </a:p>
+          <a:p>
+            <a:endParaRPr lang="en-US" dirty="0" smtClean="0"/>
+          </a:p>
+          <a:p>
+            <a:r>
+              <a:rPr lang="en-US" dirty="0" smtClean="0"/>
+              <a:t>-</a:t>
+            </a:r>
+            <a:r>
+              <a:rPr lang="en-US" baseline="0" dirty="0" smtClean="0"/>
+              <a:t> r</a:t>
+            </a:r>
+            <a:r>
+              <a:rPr lang="en-US" baseline="0" dirty="0" smtClean="0"/>
+              <a:t>= </a:t>
+            </a:r>
+            <a:r>
+              <a:rPr lang="en-US" baseline="0" dirty="0" err="1" smtClean="0"/>
+              <a:t>sqrt</a:t>
+            </a:r>
+            <a:r>
+              <a:rPr lang="en-US" baseline="0" dirty="0" smtClean="0"/>
+              <a:t>(p^2+q^2) = </a:t>
+            </a:r>
+            <a:r>
+              <a:rPr lang="en-US" baseline="0" dirty="0" err="1" smtClean="0"/>
+              <a:t>arctan</a:t>
+            </a:r>
+            <a:r>
+              <a:rPr lang="en-US" baseline="0" dirty="0" smtClean="0"/>
+              <a:t>(q/p</a:t>
+            </a:r>
+            <a:r>
+              <a:rPr lang="en-US" baseline="0" dirty="0" smtClean="0"/>
+              <a:t>). S and W are parameters to be designed w	</a:t>
+            </a:r>
+            <a:endParaRPr lang="en-US" dirty="0" smtClean="0"/>
+          </a:p>
+        </p:txBody>
+      </p:sp>
+      <p:sp>
+        <p:nvSpPr>
+          <p:cNvPr id="4" name="Slide Number Placeholder 3"/>
+          <p:cNvSpPr>
+            <a:spLocks noGrp="1"/>
+          </p:cNvSpPr>
+          <p:nvPr>
+            <p:ph type="sldNum" sz="quarter" idx="10"/>
+          </p:nvPr>
+        </p:nvSpPr>
+        <p:spPr/>
+        <p:txBody>
+          <a:bodyPr/>
+          <a:lstStyle/>
+          <a:p>
+            <a:fld id="{AE4BCEA0-5B06-456F-A1A3-51F35B1847FD}" type="slidenum">
+              <a:rPr lang="en-US" smtClean="0"/>
+              <a:pPr/>
+              <a:t>6</a:t>
+            </a:fld>
+            <a:endParaRPr lang="en-US"/>
+          </a:p>
+        </p:txBody>
+      </p:sp>
+    </p:spTree>
+  </p:cSld>
+  <p:clrMapOvr>
+    <a:masterClrMapping/>
+  </p:clrMapOvr>
+</p:notes>
+</file>
+
+<file path=ppt/notesSlides/notesSlide3.xml><?xml version="1.0" encoding="utf-8"?>
+<p:notes xmlns:a="http://schemas.openxmlformats.org/drawingml/2006/main" xmlns:r="http://schemas.openxmlformats.org/officeDocument/2006/relationships" xmlns:p="http://schemas.openxmlformats.org/presentationml/2006/main">
+  <p:cSld>
+    <p:spTree>
+      <p:nvGrpSpPr>
+        <p:cNvPr id="1" name=""/>
+        <p:cNvGrpSpPr/>
+        <p:nvPr/>
+      </p:nvGrpSpPr>
+      <p:grpSpPr>
+        <a:xfrm>
+          <a:off x="0" y="0"/>
+          <a:ext cx="0" cy="0"/>
+          <a:chOff x="0" y="0"/>
+          <a:chExt cx="0" cy="0"/>
+        </a:xfrm>
+      </p:grpSpPr>
+      <p:sp>
+        <p:nvSpPr>
+          <p:cNvPr id="2" name="Slide Image Placeholder 1"/>
+          <p:cNvSpPr>
+            <a:spLocks noGrp="1" noRot="1" noChangeAspect="1"/>
+          </p:cNvSpPr>
+          <p:nvPr>
+            <p:ph type="sldImg"/>
+          </p:nvPr>
+        </p:nvSpPr>
+        <p:spPr/>
+      </p:sp>
+      <p:sp>
+        <p:nvSpPr>
+          <p:cNvPr id="3" name="Notes Placeholder 2"/>
+          <p:cNvSpPr>
+            <a:spLocks noGrp="1"/>
+          </p:cNvSpPr>
+          <p:nvPr>
+            <p:ph type="body" idx="1"/>
+          </p:nvPr>
+        </p:nvSpPr>
+        <p:spPr/>
+        <p:txBody>
+          <a:bodyPr>
+            <a:normAutofit/>
+          </a:bodyPr>
+          <a:lstStyle/>
+          <a:p>
+            <a:r>
+              <a:rPr lang="en-US" dirty="0" smtClean="0"/>
+              <a:t>-W</a:t>
+            </a:r>
+            <a:r>
+              <a:rPr lang="en-US" baseline="0" dirty="0" smtClean="0"/>
+              <a:t> and S need to be adjusted (whether manually or optimized) to suit the needs of the application</a:t>
+            </a:r>
+            <a:endParaRPr lang="en-US" dirty="0"/>
+          </a:p>
+        </p:txBody>
+      </p:sp>
+      <p:sp>
+        <p:nvSpPr>
+          <p:cNvPr id="4" name="Slide Number Placeholder 3"/>
+          <p:cNvSpPr>
+            <a:spLocks noGrp="1"/>
+          </p:cNvSpPr>
+          <p:nvPr>
+            <p:ph type="sldNum" sz="quarter" idx="10"/>
+          </p:nvPr>
+        </p:nvSpPr>
+        <p:spPr/>
+        <p:txBody>
+          <a:bodyPr/>
+          <a:lstStyle/>
+          <a:p>
+            <a:fld id="{AE4BCEA0-5B06-456F-A1A3-51F35B1847FD}" type="slidenum">
+              <a:rPr lang="en-US" smtClean="0"/>
+              <a:pPr/>
+              <a:t>7</a:t>
+            </a:fld>
+            <a:endParaRPr lang="en-US"/>
+          </a:p>
+        </p:txBody>
+      </p:sp>
+    </p:spTree>
+  </p:cSld>
+  <p:clrMapOvr>
+    <a:masterClrMapping/>
+  </p:clrMapOvr>
+</p:notes>
+</file>
+
+<file path=ppt/notesSlides/notesSlide4.xml><?xml version="1.0" encoding="utf-8"?>
+<p:notes xmlns:a="http://schemas.openxmlformats.org/drawingml/2006/main" xmlns:r="http://schemas.openxmlformats.org/officeDocument/2006/relationships" xmlns:p="http://schemas.openxmlformats.org/presentationml/2006/main">
+  <p:cSld>
+    <p:spTree>
+      <p:nvGrpSpPr>
+        <p:cNvPr id="1" name=""/>
+        <p:cNvGrpSpPr/>
+        <p:nvPr/>
+      </p:nvGrpSpPr>
+      <p:grpSpPr>
+        <a:xfrm>
+          <a:off x="0" y="0"/>
+          <a:ext cx="0" cy="0"/>
+          <a:chOff x="0" y="0"/>
+          <a:chExt cx="0" cy="0"/>
+        </a:xfrm>
+      </p:grpSpPr>
+      <p:sp>
+        <p:nvSpPr>
+          <p:cNvPr id="2" name="Slide Image Placeholder 1"/>
+          <p:cNvSpPr>
+            <a:spLocks noGrp="1" noRot="1" noChangeAspect="1"/>
+          </p:cNvSpPr>
+          <p:nvPr>
+            <p:ph type="sldImg"/>
+          </p:nvPr>
+        </p:nvSpPr>
+        <p:spPr/>
+      </p:sp>
+      <p:sp>
+        <p:nvSpPr>
+          <p:cNvPr id="3" name="Notes Placeholder 2"/>
+          <p:cNvSpPr>
+            <a:spLocks noGrp="1"/>
+          </p:cNvSpPr>
+          <p:nvPr>
+            <p:ph type="body" idx="1"/>
+          </p:nvPr>
+        </p:nvSpPr>
+        <p:spPr/>
+        <p:txBody>
+          <a:bodyPr>
+            <a:normAutofit/>
+          </a:bodyPr>
+          <a:lstStyle/>
+          <a:p>
+            <a:r>
+              <a:rPr lang="en-US" dirty="0" smtClean="0"/>
+              <a:t>-P and q are two dimensional frequency variables</a:t>
+            </a:r>
+          </a:p>
+          <a:p>
+            <a:endParaRPr lang="en-US" dirty="0" smtClean="0"/>
+          </a:p>
+          <a:p>
+            <a:r>
+              <a:rPr lang="en-US" dirty="0" smtClean="0"/>
+              <a:t>-The function</a:t>
+            </a:r>
+            <a:r>
+              <a:rPr lang="en-US" baseline="0" dirty="0" smtClean="0"/>
+              <a:t> L is the frequency response of the localization kernel and K is the frequency dependent phase</a:t>
+            </a:r>
+          </a:p>
+          <a:p>
+            <a:endParaRPr lang="en-US" baseline="0" dirty="0" smtClean="0"/>
+          </a:p>
+          <a:p>
+            <a:r>
+              <a:rPr lang="en-US" baseline="0" dirty="0" smtClean="0"/>
+              <a:t>-</a:t>
+            </a:r>
+            <a:endParaRPr lang="en-US" dirty="0"/>
+          </a:p>
+        </p:txBody>
+      </p:sp>
+      <p:sp>
+        <p:nvSpPr>
+          <p:cNvPr id="4" name="Slide Number Placeholder 3"/>
+          <p:cNvSpPr>
+            <a:spLocks noGrp="1"/>
+          </p:cNvSpPr>
+          <p:nvPr>
+            <p:ph type="sldNum" sz="quarter" idx="10"/>
+          </p:nvPr>
+        </p:nvSpPr>
+        <p:spPr/>
+        <p:txBody>
+          <a:bodyPr/>
+          <a:lstStyle/>
+          <a:p>
+            <a:fld id="{AE4BCEA0-5B06-456F-A1A3-51F35B1847FD}" type="slidenum">
+              <a:rPr lang="en-US" smtClean="0"/>
+              <a:pPr/>
+              <a:t>9</a:t>
+            </a:fld>
+            <a:endParaRPr lang="en-US"/>
+          </a:p>
+        </p:txBody>
+      </p:sp>
+    </p:spTree>
+  </p:cSld>
+  <p:clrMapOvr>
+    <a:masterClrMapping/>
+  </p:clrMapOvr>
+</p:notes>
+</file>
+
+<file path=ppt/notesSlides/notesSlide5.xml><?xml version="1.0" encoding="utf-8"?>
+<p:notes xmlns:a="http://schemas.openxmlformats.org/drawingml/2006/main" xmlns:r="http://schemas.openxmlformats.org/officeDocument/2006/relationships" xmlns:p="http://schemas.openxmlformats.org/presentationml/2006/main">
+  <p:cSld>
+    <p:spTree>
+      <p:nvGrpSpPr>
+        <p:cNvPr id="1" name=""/>
+        <p:cNvGrpSpPr/>
+        <p:nvPr/>
+      </p:nvGrpSpPr>
+      <p:grpSpPr>
+        <a:xfrm>
+          <a:off x="0" y="0"/>
+          <a:ext cx="0" cy="0"/>
+          <a:chOff x="0" y="0"/>
+          <a:chExt cx="0" cy="0"/>
+        </a:xfrm>
+      </p:grpSpPr>
+      <p:sp>
+        <p:nvSpPr>
+          <p:cNvPr id="2" name="Slide Image Placeholder 1"/>
+          <p:cNvSpPr>
+            <a:spLocks noGrp="1" noRot="1" noChangeAspect="1"/>
+          </p:cNvSpPr>
+          <p:nvPr>
+            <p:ph type="sldImg"/>
+          </p:nvPr>
+        </p:nvSpPr>
+        <p:spPr/>
+      </p:sp>
+      <p:sp>
+        <p:nvSpPr>
+          <p:cNvPr id="3" name="Notes Placeholder 2"/>
+          <p:cNvSpPr>
+            <a:spLocks noGrp="1"/>
+          </p:cNvSpPr>
+          <p:nvPr>
+            <p:ph type="body" idx="1"/>
+          </p:nvPr>
+        </p:nvSpPr>
+        <p:spPr/>
+        <p:txBody>
+          <a:bodyPr>
+            <a:normAutofit/>
+          </a:bodyPr>
+          <a:lstStyle/>
+          <a:p>
+            <a:r>
+              <a:rPr lang="en-US" dirty="0" smtClean="0"/>
+              <a:t>-P and q are two dimensional frequency variables</a:t>
+            </a:r>
+          </a:p>
+          <a:p>
+            <a:endParaRPr lang="en-US" dirty="0" smtClean="0"/>
+          </a:p>
+          <a:p>
+            <a:r>
+              <a:rPr lang="en-US" dirty="0" smtClean="0"/>
+              <a:t>-The function</a:t>
+            </a:r>
+            <a:r>
+              <a:rPr lang="en-US" baseline="0" dirty="0" smtClean="0"/>
+              <a:t> L is the frequency response of the localization kernel and K is the frequency dependent phase</a:t>
+            </a:r>
+          </a:p>
+          <a:p>
+            <a:endParaRPr lang="en-US" baseline="0" dirty="0" smtClean="0"/>
+          </a:p>
+          <a:p>
+            <a:r>
+              <a:rPr lang="en-US" baseline="0" dirty="0" smtClean="0"/>
+              <a:t>-</a:t>
+            </a:r>
+            <a:endParaRPr lang="en-US" dirty="0"/>
+          </a:p>
+        </p:txBody>
+      </p:sp>
+      <p:sp>
+        <p:nvSpPr>
+          <p:cNvPr id="4" name="Slide Number Placeholder 3"/>
+          <p:cNvSpPr>
+            <a:spLocks noGrp="1"/>
+          </p:cNvSpPr>
+          <p:nvPr>
+            <p:ph type="sldNum" sz="quarter" idx="10"/>
+          </p:nvPr>
+        </p:nvSpPr>
+        <p:spPr/>
+        <p:txBody>
+          <a:bodyPr/>
+          <a:lstStyle/>
+          <a:p>
+            <a:fld id="{AE4BCEA0-5B06-456F-A1A3-51F35B1847FD}" type="slidenum">
+              <a:rPr lang="en-US" smtClean="0"/>
+              <a:pPr/>
+              <a:t>11</a:t>
+            </a:fld>
+            <a:endParaRPr lang="en-US"/>
+          </a:p>
+        </p:txBody>
+      </p:sp>
+    </p:spTree>
+    <p:extLst>
+      <p:ext uri="{BB962C8B-B14F-4D97-AF65-F5344CB8AC3E}">
+        <p14:creationId xmlns:p14="http://schemas.microsoft.com/office/powerpoint/2010/main" val="887983640"/>
+      </p:ext>
+    </p:extLst>
+  </p:cSld>
+  <p:clrMapOvr>
+    <a:masterClrMapping/>
+  </p:clrMapOvr>
+</p:notes>
 </file>
 
 <file path=ppt/slideLayouts/slideLayout1.xml><?xml version="1.0" encoding="utf-8"?>
@@ -295,7 +1233,7 @@
             <a:fld id="{4B75CBCE-7F37-4CB0-BB38-C9D8195C6C97}" type="datetimeFigureOut">
               <a:rPr lang="en-US" smtClean="0"/>
               <a:pPr/>
-              <a:t>5/3/2021</a:t>
+              <a:t>5/4/2021</a:t>
             </a:fld>
             <a:endParaRPr lang="en-US"/>
           </a:p>
@@ -462,7 +1400,7 @@
             <a:fld id="{4B75CBCE-7F37-4CB0-BB38-C9D8195C6C97}" type="datetimeFigureOut">
               <a:rPr lang="en-US" smtClean="0"/>
               <a:pPr/>
-              <a:t>5/3/2021</a:t>
+              <a:t>5/4/2021</a:t>
             </a:fld>
             <a:endParaRPr lang="en-US"/>
           </a:p>
@@ -639,7 +1577,7 @@
             <a:fld id="{4B75CBCE-7F37-4CB0-BB38-C9D8195C6C97}" type="datetimeFigureOut">
               <a:rPr lang="en-US" smtClean="0"/>
               <a:pPr/>
-              <a:t>5/3/2021</a:t>
+              <a:t>5/4/2021</a:t>
             </a:fld>
             <a:endParaRPr lang="en-US"/>
           </a:p>
@@ -806,7 +1744,7 @@
             <a:fld id="{4B75CBCE-7F37-4CB0-BB38-C9D8195C6C97}" type="datetimeFigureOut">
               <a:rPr lang="en-US" smtClean="0"/>
               <a:pPr/>
-              <a:t>5/3/2021</a:t>
+              <a:t>5/4/2021</a:t>
             </a:fld>
             <a:endParaRPr lang="en-US"/>
           </a:p>
@@ -1049,7 +1987,7 @@
             <a:fld id="{4B75CBCE-7F37-4CB0-BB38-C9D8195C6C97}" type="datetimeFigureOut">
               <a:rPr lang="en-US" smtClean="0"/>
               <a:pPr/>
-              <a:t>5/3/2021</a:t>
+              <a:t>5/4/2021</a:t>
             </a:fld>
             <a:endParaRPr lang="en-US"/>
           </a:p>
@@ -1334,7 +2272,7 @@
             <a:fld id="{4B75CBCE-7F37-4CB0-BB38-C9D8195C6C97}" type="datetimeFigureOut">
               <a:rPr lang="en-US" smtClean="0"/>
               <a:pPr/>
-              <a:t>5/3/2021</a:t>
+              <a:t>5/4/2021</a:t>
             </a:fld>
             <a:endParaRPr lang="en-US"/>
           </a:p>
@@ -1753,7 +2691,7 @@
             <a:fld id="{4B75CBCE-7F37-4CB0-BB38-C9D8195C6C97}" type="datetimeFigureOut">
               <a:rPr lang="en-US" smtClean="0"/>
               <a:pPr/>
-              <a:t>5/3/2021</a:t>
+              <a:t>5/4/2021</a:t>
             </a:fld>
             <a:endParaRPr lang="en-US"/>
           </a:p>
@@ -1868,7 +2806,7 @@
             <a:fld id="{4B75CBCE-7F37-4CB0-BB38-C9D8195C6C97}" type="datetimeFigureOut">
               <a:rPr lang="en-US" smtClean="0"/>
               <a:pPr/>
-              <a:t>5/3/2021</a:t>
+              <a:t>5/4/2021</a:t>
             </a:fld>
             <a:endParaRPr lang="en-US"/>
           </a:p>
@@ -1960,7 +2898,7 @@
             <a:fld id="{4B75CBCE-7F37-4CB0-BB38-C9D8195C6C97}" type="datetimeFigureOut">
               <a:rPr lang="en-US" smtClean="0"/>
               <a:pPr/>
-              <a:t>5/3/2021</a:t>
+              <a:t>5/4/2021</a:t>
             </a:fld>
             <a:endParaRPr lang="en-US"/>
           </a:p>
@@ -2234,7 +3172,7 @@
             <a:fld id="{4B75CBCE-7F37-4CB0-BB38-C9D8195C6C97}" type="datetimeFigureOut">
               <a:rPr lang="en-US" smtClean="0"/>
               <a:pPr/>
-              <a:t>5/3/2021</a:t>
+              <a:t>5/4/2021</a:t>
             </a:fld>
             <a:endParaRPr lang="en-US"/>
           </a:p>
@@ -2484,7 +3422,7 @@
             <a:fld id="{4B75CBCE-7F37-4CB0-BB38-C9D8195C6C97}" type="datetimeFigureOut">
               <a:rPr lang="en-US" smtClean="0"/>
               <a:pPr/>
-              <a:t>5/3/2021</a:t>
+              <a:t>5/4/2021</a:t>
             </a:fld>
             <a:endParaRPr lang="en-US"/>
           </a:p>
@@ -2694,7 +3632,7 @@
             <a:fld id="{4B75CBCE-7F37-4CB0-BB38-C9D8195C6C97}" type="datetimeFigureOut">
               <a:rPr lang="en-US" smtClean="0"/>
               <a:pPr/>
-              <a:t>5/3/2021</a:t>
+              <a:t>5/4/2021</a:t>
             </a:fld>
             <a:endParaRPr lang="en-US"/>
           </a:p>
@@ -3113,9 +4051,18 @@
               <a:rPr lang="en-US" dirty="0" err="1" smtClean="0"/>
               <a:t>Kubiak</a:t>
             </a:r>
+            <a:endParaRPr lang="en-US" dirty="0" smtClean="0"/>
+          </a:p>
+          <a:p>
             <a:r>
               <a:rPr lang="en-US" dirty="0" smtClean="0"/>
-              <a:t>, Tristan Melton, Can Vu</a:t>
+              <a:t>Tristan Melton (504727735)</a:t>
+            </a:r>
+          </a:p>
+          <a:p>
+            <a:r>
+              <a:rPr lang="en-US" dirty="0" smtClean="0"/>
+              <a:t>Can Vu</a:t>
             </a:r>
             <a:endParaRPr lang="en-US" dirty="0"/>
           </a:p>
@@ -3126,6 +4073,563 @@
   <p:clrMapOvr>
     <a:masterClrMapping/>
   </p:clrMapOvr>
+</p:sld>
+</file>
+
+<file path=ppt/slides/slide10.xml><?xml version="1.0" encoding="utf-8"?>
+<p:sld xmlns:a="http://schemas.openxmlformats.org/drawingml/2006/main" xmlns:r="http://schemas.openxmlformats.org/officeDocument/2006/relationships" xmlns:p="http://schemas.openxmlformats.org/presentationml/2006/main">
+  <p:cSld>
+    <p:spTree>
+      <p:nvGrpSpPr>
+        <p:cNvPr id="1" name=""/>
+        <p:cNvGrpSpPr/>
+        <p:nvPr/>
+      </p:nvGrpSpPr>
+      <p:grpSpPr>
+        <a:xfrm>
+          <a:off x="0" y="0"/>
+          <a:ext cx="0" cy="0"/>
+          <a:chOff x="0" y="0"/>
+          <a:chExt cx="0" cy="0"/>
+        </a:xfrm>
+      </p:grpSpPr>
+      <p:sp>
+        <p:nvSpPr>
+          <p:cNvPr id="2" name="Title 1"/>
+          <p:cNvSpPr>
+            <a:spLocks noGrp="1"/>
+          </p:cNvSpPr>
+          <p:nvPr>
+            <p:ph type="title"/>
+          </p:nvPr>
+        </p:nvSpPr>
+        <p:spPr>
+          <a:xfrm>
+            <a:off x="457200" y="274638"/>
+            <a:ext cx="8229600" cy="715962"/>
+          </a:xfrm>
+        </p:spPr>
+        <p:txBody>
+          <a:bodyPr>
+            <a:normAutofit/>
+          </a:bodyPr>
+          <a:lstStyle/>
+          <a:p>
+            <a:r>
+              <a:rPr lang="en-US" sz="3200" dirty="0" smtClean="0"/>
+              <a:t>Overlaying PST Output on Origina</a:t>
+            </a:r>
+            <a:r>
+              <a:rPr lang="en-US" sz="3200" dirty="0" smtClean="0"/>
+              <a:t>l Image</a:t>
+            </a:r>
+            <a:endParaRPr lang="en-US" sz="3200" dirty="0"/>
+          </a:p>
+        </p:txBody>
+      </p:sp>
+      <p:sp>
+        <p:nvSpPr>
+          <p:cNvPr id="3" name="Content Placeholder 2"/>
+          <p:cNvSpPr>
+            <a:spLocks noGrp="1"/>
+          </p:cNvSpPr>
+          <p:nvPr>
+            <p:ph idx="1"/>
+          </p:nvPr>
+        </p:nvSpPr>
+        <p:spPr>
+          <a:xfrm>
+            <a:off x="457200" y="1066800"/>
+            <a:ext cx="8229600" cy="5059363"/>
+          </a:xfrm>
+        </p:spPr>
+        <p:txBody>
+          <a:bodyPr>
+            <a:normAutofit/>
+          </a:bodyPr>
+          <a:lstStyle/>
+          <a:p>
+            <a:r>
+              <a:rPr lang="en-US" sz="2000" dirty="0" smtClean="0"/>
+              <a:t>The red outline is the features outputted by the PST overlaid on the original image</a:t>
+            </a:r>
+          </a:p>
+        </p:txBody>
+      </p:sp>
+      <p:pic>
+        <p:nvPicPr>
+          <p:cNvPr id="5" name="Picture 4"/>
+          <p:cNvPicPr>
+            <a:picLocks noChangeAspect="1"/>
+          </p:cNvPicPr>
+          <p:nvPr/>
+        </p:nvPicPr>
+        <p:blipFill>
+          <a:blip r:embed="rId2"/>
+          <a:stretch>
+            <a:fillRect/>
+          </a:stretch>
+        </p:blipFill>
+        <p:spPr>
+          <a:xfrm>
+            <a:off x="2476500" y="1752600"/>
+            <a:ext cx="4191000" cy="3697941"/>
+          </a:xfrm>
+          <a:prstGeom prst="rect">
+            <a:avLst/>
+          </a:prstGeom>
+        </p:spPr>
+      </p:pic>
+    </p:spTree>
+    <p:extLst>
+      <p:ext uri="{BB962C8B-B14F-4D97-AF65-F5344CB8AC3E}">
+        <p14:creationId xmlns:p14="http://schemas.microsoft.com/office/powerpoint/2010/main" val="3838764258"/>
+      </p:ext>
+    </p:extLst>
+  </p:cSld>
+  <p:clrMapOvr>
+    <a:masterClrMapping/>
+  </p:clrMapOvr>
+  <p:timing>
+    <p:tnLst>
+      <p:par>
+        <p:cTn id="1" dur="indefinite" restart="never" nodeType="tmRoot"/>
+      </p:par>
+    </p:tnLst>
+  </p:timing>
+</p:sld>
+</file>
+
+<file path=ppt/slides/slide11.xml><?xml version="1.0" encoding="utf-8"?>
+<p:sld xmlns:a="http://schemas.openxmlformats.org/drawingml/2006/main" xmlns:r="http://schemas.openxmlformats.org/officeDocument/2006/relationships" xmlns:p="http://schemas.openxmlformats.org/presentationml/2006/main">
+  <p:cSld>
+    <p:spTree>
+      <p:nvGrpSpPr>
+        <p:cNvPr id="1" name=""/>
+        <p:cNvGrpSpPr/>
+        <p:nvPr/>
+      </p:nvGrpSpPr>
+      <p:grpSpPr>
+        <a:xfrm>
+          <a:off x="0" y="0"/>
+          <a:ext cx="0" cy="0"/>
+          <a:chOff x="0" y="0"/>
+          <a:chExt cx="0" cy="0"/>
+        </a:xfrm>
+      </p:grpSpPr>
+      <p:sp>
+        <p:nvSpPr>
+          <p:cNvPr id="2" name="Title 1"/>
+          <p:cNvSpPr>
+            <a:spLocks noGrp="1"/>
+          </p:cNvSpPr>
+          <p:nvPr>
+            <p:ph type="title"/>
+          </p:nvPr>
+        </p:nvSpPr>
+        <p:spPr>
+          <a:xfrm>
+            <a:off x="457200" y="274638"/>
+            <a:ext cx="8229600" cy="487362"/>
+          </a:xfrm>
+        </p:spPr>
+        <p:txBody>
+          <a:bodyPr>
+            <a:normAutofit fontScale="90000"/>
+          </a:bodyPr>
+          <a:lstStyle/>
+          <a:p>
+            <a:r>
+              <a:rPr lang="en-US" sz="3200" dirty="0" smtClean="0"/>
+              <a:t>Comparison of PST to other edge methods</a:t>
+            </a:r>
+            <a:endParaRPr lang="en-US" sz="3200" dirty="0"/>
+          </a:p>
+        </p:txBody>
+      </p:sp>
+      <p:sp>
+        <p:nvSpPr>
+          <p:cNvPr id="5" name="Rectangle 4"/>
+          <p:cNvSpPr/>
+          <p:nvPr/>
+        </p:nvSpPr>
+        <p:spPr>
+          <a:xfrm>
+            <a:off x="152400" y="6324600"/>
+            <a:ext cx="8839200" cy="369332"/>
+          </a:xfrm>
+          <a:prstGeom prst="rect">
+            <a:avLst/>
+          </a:prstGeom>
+        </p:spPr>
+        <p:txBody>
+          <a:bodyPr wrap="square">
+            <a:spAutoFit/>
+          </a:bodyPr>
+          <a:lstStyle/>
+          <a:p>
+            <a:endParaRPr lang="en-US" dirty="0" smtClean="0">
+              <a:solidFill>
+                <a:srgbClr val="FF0000"/>
+              </a:solidFill>
+            </a:endParaRPr>
+          </a:p>
+        </p:txBody>
+      </p:sp>
+      <p:pic>
+        <p:nvPicPr>
+          <p:cNvPr id="6" name="Picture 5"/>
+          <p:cNvPicPr>
+            <a:picLocks noChangeAspect="1"/>
+          </p:cNvPicPr>
+          <p:nvPr/>
+        </p:nvPicPr>
+        <p:blipFill>
+          <a:blip r:embed="rId3"/>
+          <a:stretch>
+            <a:fillRect/>
+          </a:stretch>
+        </p:blipFill>
+        <p:spPr>
+          <a:xfrm>
+            <a:off x="1234567" y="3834320"/>
+            <a:ext cx="3413633" cy="2963008"/>
+          </a:xfrm>
+          <a:prstGeom prst="rect">
+            <a:avLst/>
+          </a:prstGeom>
+        </p:spPr>
+      </p:pic>
+      <p:pic>
+        <p:nvPicPr>
+          <p:cNvPr id="7" name="Picture 6"/>
+          <p:cNvPicPr>
+            <a:picLocks noChangeAspect="1"/>
+          </p:cNvPicPr>
+          <p:nvPr/>
+        </p:nvPicPr>
+        <p:blipFill>
+          <a:blip r:embed="rId4"/>
+          <a:stretch>
+            <a:fillRect/>
+          </a:stretch>
+        </p:blipFill>
+        <p:spPr>
+          <a:xfrm>
+            <a:off x="5181600" y="795748"/>
+            <a:ext cx="3581400" cy="3090452"/>
+          </a:xfrm>
+          <a:prstGeom prst="rect">
+            <a:avLst/>
+          </a:prstGeom>
+        </p:spPr>
+      </p:pic>
+      <p:pic>
+        <p:nvPicPr>
+          <p:cNvPr id="8" name="Picture 7"/>
+          <p:cNvPicPr>
+            <a:picLocks noChangeAspect="1"/>
+          </p:cNvPicPr>
+          <p:nvPr/>
+        </p:nvPicPr>
+        <p:blipFill>
+          <a:blip r:embed="rId5"/>
+          <a:stretch>
+            <a:fillRect/>
+          </a:stretch>
+        </p:blipFill>
+        <p:spPr>
+          <a:xfrm>
+            <a:off x="5257800" y="3818350"/>
+            <a:ext cx="3429000" cy="2994949"/>
+          </a:xfrm>
+          <a:prstGeom prst="rect">
+            <a:avLst/>
+          </a:prstGeom>
+        </p:spPr>
+      </p:pic>
+      <p:sp>
+        <p:nvSpPr>
+          <p:cNvPr id="11" name="TextBox 10"/>
+          <p:cNvSpPr txBox="1"/>
+          <p:nvPr/>
+        </p:nvSpPr>
+        <p:spPr>
+          <a:xfrm>
+            <a:off x="990600" y="898834"/>
+            <a:ext cx="4114800" cy="369332"/>
+          </a:xfrm>
+          <a:prstGeom prst="rect">
+            <a:avLst/>
+          </a:prstGeom>
+          <a:noFill/>
+        </p:spPr>
+        <p:txBody>
+          <a:bodyPr wrap="square" rtlCol="0">
+            <a:spAutoFit/>
+          </a:bodyPr>
+          <a:lstStyle/>
+          <a:p>
+            <a:pPr marL="285750" indent="-285750">
+              <a:buFont typeface="Arial" panose="020B0604020202020204" pitchFamily="34" charset="0"/>
+              <a:buChar char="•"/>
+            </a:pPr>
+            <a:r>
+              <a:rPr lang="en-US" dirty="0" smtClean="0">
+                <a:solidFill>
+                  <a:srgbClr val="FF0000"/>
+                </a:solidFill>
+              </a:rPr>
+              <a:t>(Description)</a:t>
+            </a:r>
+            <a:endParaRPr lang="en-US" dirty="0">
+              <a:solidFill>
+                <a:srgbClr val="FF0000"/>
+              </a:solidFill>
+            </a:endParaRPr>
+          </a:p>
+        </p:txBody>
+      </p:sp>
+    </p:spTree>
+    <p:extLst>
+      <p:ext uri="{BB962C8B-B14F-4D97-AF65-F5344CB8AC3E}">
+        <p14:creationId xmlns:p14="http://schemas.microsoft.com/office/powerpoint/2010/main" val="3467052807"/>
+      </p:ext>
+    </p:extLst>
+  </p:cSld>
+  <p:clrMapOvr>
+    <a:masterClrMapping/>
+  </p:clrMapOvr>
+  <p:timing>
+    <p:tnLst>
+      <p:par>
+        <p:cTn id="1" dur="indefinite" restart="never" nodeType="tmRoot"/>
+      </p:par>
+    </p:tnLst>
+  </p:timing>
+</p:sld>
+</file>
+
+<file path=ppt/slides/slide12.xml><?xml version="1.0" encoding="utf-8"?>
+<p:sld xmlns:a="http://schemas.openxmlformats.org/drawingml/2006/main" xmlns:r="http://schemas.openxmlformats.org/officeDocument/2006/relationships" xmlns:p="http://schemas.openxmlformats.org/presentationml/2006/main">
+  <p:cSld>
+    <p:spTree>
+      <p:nvGrpSpPr>
+        <p:cNvPr id="1" name=""/>
+        <p:cNvGrpSpPr/>
+        <p:nvPr/>
+      </p:nvGrpSpPr>
+      <p:grpSpPr>
+        <a:xfrm>
+          <a:off x="0" y="0"/>
+          <a:ext cx="0" cy="0"/>
+          <a:chOff x="0" y="0"/>
+          <a:chExt cx="0" cy="0"/>
+        </a:xfrm>
+      </p:grpSpPr>
+      <p:sp>
+        <p:nvSpPr>
+          <p:cNvPr id="2" name="Title 1"/>
+          <p:cNvSpPr>
+            <a:spLocks noGrp="1"/>
+          </p:cNvSpPr>
+          <p:nvPr>
+            <p:ph type="title"/>
+          </p:nvPr>
+        </p:nvSpPr>
+        <p:spPr>
+          <a:xfrm>
+            <a:off x="457200" y="274638"/>
+            <a:ext cx="8229600" cy="715962"/>
+          </a:xfrm>
+        </p:spPr>
+        <p:txBody>
+          <a:bodyPr>
+            <a:normAutofit/>
+          </a:bodyPr>
+          <a:lstStyle/>
+          <a:p>
+            <a:r>
+              <a:rPr lang="en-US" sz="3200" dirty="0" smtClean="0"/>
+              <a:t>Tracking the Cells over Time</a:t>
+            </a:r>
+            <a:endParaRPr lang="en-US" sz="3200" dirty="0"/>
+          </a:p>
+        </p:txBody>
+      </p:sp>
+      <p:sp>
+        <p:nvSpPr>
+          <p:cNvPr id="3" name="Content Placeholder 2"/>
+          <p:cNvSpPr>
+            <a:spLocks noGrp="1"/>
+          </p:cNvSpPr>
+          <p:nvPr>
+            <p:ph idx="1"/>
+          </p:nvPr>
+        </p:nvSpPr>
+        <p:spPr>
+          <a:xfrm>
+            <a:off x="457200" y="1066800"/>
+            <a:ext cx="8229600" cy="5059363"/>
+          </a:xfrm>
+        </p:spPr>
+        <p:txBody>
+          <a:bodyPr>
+            <a:normAutofit/>
+          </a:bodyPr>
+          <a:lstStyle/>
+          <a:p>
+            <a:r>
+              <a:rPr lang="en-US" sz="2000" dirty="0" smtClean="0"/>
+              <a:t>To track cells over time, we are working on a solution based on centroid detection</a:t>
+            </a:r>
+          </a:p>
+          <a:p>
+            <a:pPr marL="0" indent="0">
+              <a:buNone/>
+            </a:pPr>
+            <a:endParaRPr lang="en-US" sz="2000" dirty="0"/>
+          </a:p>
+          <a:p>
+            <a:r>
+              <a:rPr lang="en-US" sz="2000" dirty="0"/>
+              <a:t>Still work in </a:t>
+            </a:r>
+            <a:r>
+              <a:rPr lang="en-US" sz="2000" dirty="0" smtClean="0"/>
+              <a:t>progress; </a:t>
+            </a:r>
+            <a:r>
+              <a:rPr lang="en-US" sz="2000" dirty="0" smtClean="0"/>
+              <a:t>Currently working an issue of encountering multiple centroids for larger cells</a:t>
+            </a:r>
+          </a:p>
+          <a:p>
+            <a:endParaRPr lang="en-US" sz="2000" dirty="0" smtClean="0"/>
+          </a:p>
+          <a:p>
+            <a:endParaRPr lang="en-US" sz="2000" dirty="0" smtClean="0"/>
+          </a:p>
+          <a:p>
+            <a:endParaRPr lang="en-US" sz="2000" dirty="0"/>
+          </a:p>
+        </p:txBody>
+      </p:sp>
+      <p:pic>
+        <p:nvPicPr>
+          <p:cNvPr id="5" name="Picture 4"/>
+          <p:cNvPicPr>
+            <a:picLocks noChangeAspect="1"/>
+          </p:cNvPicPr>
+          <p:nvPr/>
+        </p:nvPicPr>
+        <p:blipFill>
+          <a:blip r:embed="rId2"/>
+          <a:stretch>
+            <a:fillRect/>
+          </a:stretch>
+        </p:blipFill>
+        <p:spPr>
+          <a:xfrm>
+            <a:off x="5197186" y="3060701"/>
+            <a:ext cx="3489614" cy="3065462"/>
+          </a:xfrm>
+          <a:prstGeom prst="rect">
+            <a:avLst/>
+          </a:prstGeom>
+        </p:spPr>
+      </p:pic>
+    </p:spTree>
+    <p:extLst>
+      <p:ext uri="{BB962C8B-B14F-4D97-AF65-F5344CB8AC3E}">
+        <p14:creationId xmlns:p14="http://schemas.microsoft.com/office/powerpoint/2010/main" val="3065958281"/>
+      </p:ext>
+    </p:extLst>
+  </p:cSld>
+  <p:clrMapOvr>
+    <a:masterClrMapping/>
+  </p:clrMapOvr>
+  <p:timing>
+    <p:tnLst>
+      <p:par>
+        <p:cTn id="1" dur="indefinite" restart="never" nodeType="tmRoot"/>
+      </p:par>
+    </p:tnLst>
+  </p:timing>
+</p:sld>
+</file>
+
+<file path=ppt/slides/slide13.xml><?xml version="1.0" encoding="utf-8"?>
+<p:sld xmlns:a="http://schemas.openxmlformats.org/drawingml/2006/main" xmlns:r="http://schemas.openxmlformats.org/officeDocument/2006/relationships" xmlns:p="http://schemas.openxmlformats.org/presentationml/2006/main">
+  <p:cSld>
+    <p:spTree>
+      <p:nvGrpSpPr>
+        <p:cNvPr id="1" name=""/>
+        <p:cNvGrpSpPr/>
+        <p:nvPr/>
+      </p:nvGrpSpPr>
+      <p:grpSpPr>
+        <a:xfrm>
+          <a:off x="0" y="0"/>
+          <a:ext cx="0" cy="0"/>
+          <a:chOff x="0" y="0"/>
+          <a:chExt cx="0" cy="0"/>
+        </a:xfrm>
+      </p:grpSpPr>
+      <p:sp>
+        <p:nvSpPr>
+          <p:cNvPr id="2" name="Title 1"/>
+          <p:cNvSpPr>
+            <a:spLocks noGrp="1"/>
+          </p:cNvSpPr>
+          <p:nvPr>
+            <p:ph type="title"/>
+          </p:nvPr>
+        </p:nvSpPr>
+        <p:spPr/>
+        <p:txBody>
+          <a:bodyPr/>
+          <a:lstStyle/>
+          <a:p>
+            <a:r>
+              <a:rPr lang="en-US" dirty="0" smtClean="0"/>
+              <a:t>Conclusion</a:t>
+            </a:r>
+            <a:endParaRPr lang="en-US" dirty="0"/>
+          </a:p>
+        </p:txBody>
+      </p:sp>
+      <p:sp>
+        <p:nvSpPr>
+          <p:cNvPr id="3" name="Content Placeholder 2"/>
+          <p:cNvSpPr>
+            <a:spLocks noGrp="1"/>
+          </p:cNvSpPr>
+          <p:nvPr>
+            <p:ph idx="1"/>
+          </p:nvPr>
+        </p:nvSpPr>
+        <p:spPr/>
+        <p:txBody>
+          <a:bodyPr/>
+          <a:lstStyle/>
+          <a:p>
+            <a:endParaRPr lang="en-US"/>
+          </a:p>
+        </p:txBody>
+      </p:sp>
+    </p:spTree>
+  </p:cSld>
+  <p:clrMapOvr>
+    <a:masterClrMapping/>
+  </p:clrMapOvr>
+  <p:timing>
+    <p:tnLst>
+      <p:par>
+        <p:cTn id="1" dur="indefinite" restart="never" nodeType="tmRoot"/>
+      </p:par>
+    </p:tnLst>
+  </p:timing>
 </p:sld>
 </file>
 
@@ -3158,82 +4662,37 @@
         </p:nvSpPr>
         <p:spPr/>
         <p:txBody>
-          <a:bodyPr/>
-          <a:lstStyle/>
-          <a:p>
-            <a:r>
-              <a:rPr lang="en-US" sz="3600" dirty="0" smtClean="0"/>
-              <a:t>Background</a:t>
-            </a:r>
-            <a:endParaRPr lang="en-US" dirty="0"/>
-          </a:p>
-        </p:txBody>
-      </p:sp>
-      <p:sp>
-        <p:nvSpPr>
-          <p:cNvPr id="3" name="Content Placeholder 2"/>
-          <p:cNvSpPr>
-            <a:spLocks noGrp="1"/>
-          </p:cNvSpPr>
-          <p:nvPr>
-            <p:ph idx="1"/>
-          </p:nvPr>
-        </p:nvSpPr>
-        <p:spPr/>
-        <p:txBody>
           <a:bodyPr>
             <a:normAutofit/>
           </a:bodyPr>
           <a:lstStyle/>
           <a:p>
             <a:r>
-              <a:rPr lang="en-US" sz="2000" dirty="0" smtClean="0"/>
-              <a:t>Live Cell Imaging is the study of living cells using time-lapse microscopy</a:t>
-            </a:r>
-          </a:p>
-          <a:p>
-            <a:pPr lvl="1"/>
-            <a:r>
-              <a:rPr lang="en-US" sz="2000" dirty="0" smtClean="0"/>
-              <a:t>essential to advance the understanding of the cellular dynamics which influence cell fate</a:t>
-            </a:r>
-          </a:p>
-          <a:p>
-            <a:pPr lvl="1">
-              <a:buNone/>
-            </a:pPr>
-            <a:endParaRPr lang="en-US" sz="2000" dirty="0" smtClean="0"/>
-          </a:p>
-          <a:p>
-            <a:r>
-              <a:rPr lang="en-US" sz="2000" dirty="0" smtClean="0"/>
-              <a:t>Currently, there is a lack of automated software tools for live-cell detection, tracking, and quantification suitable for long term time-lapse microscopy experiments</a:t>
-            </a:r>
-          </a:p>
-          <a:p>
-            <a:pPr lvl="1"/>
-            <a:r>
-              <a:rPr lang="en-US" sz="2000" dirty="0" smtClean="0"/>
-              <a:t>Although long-term imaging is possible, it involves numerous technical challenges such as phototoxicity</a:t>
-            </a:r>
-          </a:p>
-          <a:p>
-            <a:pPr lvl="1">
-              <a:buNone/>
-            </a:pPr>
-            <a:endParaRPr lang="en-US" sz="2000" dirty="0" smtClean="0"/>
-          </a:p>
-          <a:p>
-            <a:r>
-              <a:rPr lang="en-US" sz="2000" dirty="0" smtClean="0"/>
-              <a:t>One technique is to employ Phase Stretch Transform (PST)</a:t>
-            </a:r>
-          </a:p>
-          <a:p>
-            <a:endParaRPr lang="en-US" sz="2000" dirty="0" smtClean="0"/>
-          </a:p>
-          <a:p>
-            <a:endParaRPr lang="en-US" sz="1800" dirty="0" smtClean="0"/>
+              <a:rPr lang="en-US" sz="3200" dirty="0" smtClean="0"/>
+              <a:t>Division of Labor</a:t>
+            </a:r>
+            <a:endParaRPr lang="en-US" sz="3200" dirty="0"/>
+          </a:p>
+        </p:txBody>
+      </p:sp>
+      <p:sp>
+        <p:nvSpPr>
+          <p:cNvPr id="3" name="Content Placeholder 2"/>
+          <p:cNvSpPr>
+            <a:spLocks noGrp="1"/>
+          </p:cNvSpPr>
+          <p:nvPr>
+            <p:ph idx="1"/>
+          </p:nvPr>
+        </p:nvSpPr>
+        <p:spPr/>
+        <p:txBody>
+          <a:bodyPr>
+            <a:normAutofit/>
+          </a:bodyPr>
+          <a:lstStyle/>
+          <a:p>
+            <a:endParaRPr lang="en-US" sz="2000" dirty="0"/>
           </a:p>
         </p:txBody>
       </p:sp>
@@ -3281,7 +4740,7 @@
           <a:p>
             <a:r>
               <a:rPr lang="en-US" sz="3200" dirty="0" smtClean="0"/>
-              <a:t>Phase Stretch Transform: Introduction</a:t>
+              <a:t>Outline</a:t>
             </a:r>
             <a:endParaRPr lang="en-US" sz="3200" dirty="0"/>
           </a:p>
@@ -3297,12 +4756,7 @@
             <p:ph idx="1"/>
           </p:nvPr>
         </p:nvSpPr>
-        <p:spPr>
-          <a:xfrm>
-            <a:off x="457200" y="1600200"/>
-            <a:ext cx="8229600" cy="4876800"/>
-          </a:xfrm>
-        </p:spPr>
+        <p:spPr/>
         <p:txBody>
           <a:bodyPr>
             <a:normAutofit/>
@@ -3311,163 +4765,86 @@
           <a:p>
             <a:r>
               <a:rPr lang="en-US" sz="2000" dirty="0" smtClean="0"/>
-              <a:t>PST is a physics-inspired, computational approach to signal and image processing with applications to feature detection and classification</a:t>
+              <a:t>Introduction</a:t>
             </a:r>
           </a:p>
           <a:p>
             <a:pPr lvl="1"/>
             <a:r>
-              <a:rPr lang="en-US" sz="1800" dirty="0" smtClean="0"/>
-              <a:t>It transforms an image by emulating propagation through a diffractive </a:t>
-            </a:r>
-            <a:r>
-              <a:rPr lang="en-US" sz="1800" dirty="0"/>
-              <a:t>medium with </a:t>
-            </a:r>
-            <a:r>
-              <a:rPr lang="en-US" sz="1800" dirty="0" smtClean="0"/>
-              <a:t>an engineered refractive index that has a frequency dependent property</a:t>
+              <a:rPr lang="en-US" sz="1600" dirty="0" smtClean="0"/>
+              <a:t>Background</a:t>
             </a:r>
           </a:p>
           <a:p>
             <a:pPr lvl="1"/>
             <a:r>
-              <a:rPr lang="en-US" sz="1800" dirty="0" smtClean="0"/>
-              <a:t>The phase of the transform has properties which are useful for detection of edges and sharp transitions of an image</a:t>
-            </a:r>
-            <a:endParaRPr lang="en-US" sz="1800" dirty="0"/>
+              <a:rPr lang="en-US" sz="1600" dirty="0" smtClean="0"/>
+              <a:t>Phase Stretch Transform (2D)</a:t>
+            </a:r>
           </a:p>
           <a:p>
             <a:pPr lvl="1"/>
             <a:r>
-              <a:rPr lang="en-US" sz="1800" dirty="0" smtClean="0"/>
-              <a:t>PST functionally operates similarly to phase-contrast microscopy</a:t>
+              <a:rPr lang="en-US" sz="1600" dirty="0" smtClean="0"/>
+              <a:t>2D PST Mathematical Description</a:t>
+            </a:r>
+          </a:p>
+          <a:p>
+            <a:r>
+              <a:rPr lang="en-US" sz="2000" dirty="0" smtClean="0"/>
+              <a:t>Project</a:t>
             </a:r>
           </a:p>
           <a:p>
             <a:pPr lvl="1"/>
-            <a:endParaRPr lang="en-US" sz="1800" dirty="0"/>
+            <a:r>
+              <a:rPr lang="en-US" sz="1600" dirty="0" smtClean="0"/>
+              <a:t>Extensio</a:t>
+            </a:r>
+            <a:r>
+              <a:rPr lang="en-US" sz="1600" dirty="0" smtClean="0"/>
+              <a:t>n to 3D PST</a:t>
+            </a:r>
+            <a:endParaRPr lang="en-US" sz="1600" dirty="0" smtClean="0"/>
+          </a:p>
+          <a:p>
+            <a:r>
+              <a:rPr lang="en-US" sz="2000" dirty="0" smtClean="0"/>
+              <a:t>Results</a:t>
+            </a:r>
           </a:p>
           <a:p>
             <a:pPr lvl="1"/>
-            <a:endParaRPr lang="en-US" sz="1800" dirty="0" smtClean="0"/>
+            <a:r>
+              <a:rPr lang="en-US" sz="1600" dirty="0" smtClean="0"/>
+              <a:t>Show output of PST</a:t>
+            </a:r>
           </a:p>
           <a:p>
             <a:pPr lvl="1"/>
-            <a:endParaRPr lang="en-US" sz="1800" dirty="0"/>
+            <a:r>
+              <a:rPr lang="en-US" sz="1600" dirty="0" smtClean="0"/>
+              <a:t>Compare with other types of edge detectors</a:t>
+            </a:r>
+            <a:endParaRPr lang="en-US" sz="1600" dirty="0" smtClean="0"/>
+          </a:p>
+          <a:p>
+            <a:r>
+              <a:rPr lang="en-US" sz="2000" dirty="0" smtClean="0"/>
+              <a:t>Conclusion</a:t>
+            </a:r>
           </a:p>
           <a:p>
             <a:pPr lvl="1"/>
-            <a:endParaRPr lang="en-US" sz="1800" dirty="0" smtClean="0"/>
-          </a:p>
-          <a:p>
-            <a:pPr lvl="1"/>
-            <a:endParaRPr lang="en-US" sz="1800" dirty="0" smtClean="0"/>
-          </a:p>
-          <a:p>
-            <a:pPr lvl="1"/>
-            <a:endParaRPr lang="en-US" sz="1800" dirty="0"/>
-          </a:p>
-          <a:p>
-            <a:r>
-              <a:rPr lang="en-US" sz="1800" dirty="0">
-                <a:solidFill>
-                  <a:srgbClr val="FF0000"/>
-                </a:solidFill>
-              </a:rPr>
-              <a:t>Edge Detection in Digital Images Using </a:t>
-            </a:r>
-            <a:r>
-              <a:rPr lang="en-US" sz="1800" dirty="0" smtClean="0">
-                <a:solidFill>
-                  <a:srgbClr val="FF0000"/>
-                </a:solidFill>
-              </a:rPr>
-              <a:t>Dispersive Phase </a:t>
-            </a:r>
-            <a:r>
-              <a:rPr lang="en-US" sz="1800" dirty="0">
-                <a:solidFill>
-                  <a:srgbClr val="FF0000"/>
-                </a:solidFill>
-              </a:rPr>
-              <a:t>Stretch </a:t>
-            </a:r>
-            <a:r>
-              <a:rPr lang="en-US" sz="1800" dirty="0" smtClean="0">
-                <a:solidFill>
-                  <a:srgbClr val="FF0000"/>
-                </a:solidFill>
-              </a:rPr>
-              <a:t>Transform (source)</a:t>
-            </a:r>
-          </a:p>
-          <a:p>
-            <a:pPr lvl="1"/>
-            <a:endParaRPr lang="en-US" sz="1800" dirty="0"/>
-          </a:p>
-          <a:p>
-            <a:pPr lvl="1">
-              <a:buNone/>
-            </a:pPr>
-            <a:endParaRPr lang="en-US" sz="2200" dirty="0" smtClean="0"/>
-          </a:p>
-          <a:p>
-            <a:pPr lvl="1"/>
-            <a:endParaRPr lang="en-US" sz="1600" dirty="0" smtClean="0"/>
-          </a:p>
-          <a:p>
-            <a:endParaRPr lang="en-US" sz="2000" dirty="0"/>
-          </a:p>
-          <a:p>
-            <a:endParaRPr lang="en-US" sz="2000" dirty="0"/>
-          </a:p>
-        </p:txBody>
-      </p:sp>
-      <p:pic>
-        <p:nvPicPr>
-          <p:cNvPr id="1026" name="Picture 2"/>
-          <p:cNvPicPr>
-            <a:picLocks noChangeAspect="1" noChangeArrowheads="1"/>
-          </p:cNvPicPr>
-          <p:nvPr/>
-        </p:nvPicPr>
-        <p:blipFill>
-          <a:blip r:embed="rId2" cstate="print"/>
-          <a:srcRect/>
-          <a:stretch>
-            <a:fillRect/>
-          </a:stretch>
-        </p:blipFill>
-        <p:spPr bwMode="auto">
-          <a:xfrm>
-            <a:off x="1295400" y="4343400"/>
-            <a:ext cx="6400800" cy="1243173"/>
-          </a:xfrm>
-          <a:prstGeom prst="rect">
-            <a:avLst/>
-          </a:prstGeom>
-          <a:noFill/>
-          <a:ln w="9525">
-            <a:noFill/>
-            <a:miter lim="800000"/>
-            <a:headEnd/>
-            <a:tailEnd/>
-          </a:ln>
-        </p:spPr>
-      </p:pic>
+            <a:endParaRPr lang="en-US" sz="1600" dirty="0"/>
+          </a:p>
+        </p:txBody>
+      </p:sp>
     </p:spTree>
   </p:cSld>
   <p:clrMapOvr>
     <a:masterClrMapping/>
   </p:clrMapOvr>
-  <p:timing>
-    <p:tnLst>
-      <p:par>
-        <p:cTn id="1" dur="indefinite" restart="never" nodeType="tmRoot"/>
-      </p:par>
-    </p:tnLst>
-  </p:timing>
 </p:sld>
 </file>
 
@@ -3500,41 +4877,99 @@
         </p:nvSpPr>
         <p:spPr/>
         <p:txBody>
+          <a:bodyPr/>
+          <a:lstStyle/>
+          <a:p>
+            <a:r>
+              <a:rPr lang="en-US" sz="3600" dirty="0" smtClean="0"/>
+              <a:t>Background</a:t>
+            </a:r>
+            <a:endParaRPr lang="en-US" dirty="0"/>
+          </a:p>
+        </p:txBody>
+      </p:sp>
+      <p:sp>
+        <p:nvSpPr>
+          <p:cNvPr id="3" name="Content Placeholder 2"/>
+          <p:cNvSpPr>
+            <a:spLocks noGrp="1"/>
+          </p:cNvSpPr>
+          <p:nvPr>
+            <p:ph idx="1"/>
+          </p:nvPr>
+        </p:nvSpPr>
+        <p:spPr/>
+        <p:txBody>
           <a:bodyPr>
             <a:normAutofit/>
           </a:bodyPr>
           <a:lstStyle/>
           <a:p>
             <a:r>
-              <a:rPr lang="en-US" sz="3200" dirty="0" smtClean="0"/>
-              <a:t>Phase Stretch Transform</a:t>
-            </a:r>
-            <a:r>
-              <a:rPr lang="en-US" sz="3200" dirty="0" smtClean="0"/>
-              <a:t>: Operational Principles</a:t>
-            </a:r>
-            <a:endParaRPr lang="en-US" sz="3200" dirty="0"/>
-          </a:p>
-        </p:txBody>
-      </p:sp>
-      <p:sp>
-        <p:nvSpPr>
-          <p:cNvPr id="3" name="Content Placeholder 2"/>
-          <p:cNvSpPr>
-            <a:spLocks noGrp="1"/>
-          </p:cNvSpPr>
-          <p:nvPr>
-            <p:ph idx="1"/>
-          </p:nvPr>
-        </p:nvSpPr>
-        <p:spPr/>
-        <p:txBody>
-          <a:bodyPr>
-            <a:normAutofit/>
-          </a:bodyPr>
-          <a:lstStyle/>
-          <a:p>
-            <a:endParaRPr lang="en-US" sz="2000" dirty="0"/>
+              <a:rPr lang="en-US" sz="2000" dirty="0" smtClean="0"/>
+              <a:t>Live Cell Imaging is the study of living cells using time-lapse microscopy</a:t>
+            </a:r>
+          </a:p>
+          <a:p>
+            <a:pPr lvl="1"/>
+            <a:r>
+              <a:rPr lang="en-US" sz="2000" dirty="0" smtClean="0"/>
+              <a:t>essential to advance the understanding of the cellular dynamics which influence cell fate</a:t>
+            </a:r>
+          </a:p>
+          <a:p>
+            <a:pPr lvl="1">
+              <a:buNone/>
+            </a:pPr>
+            <a:endParaRPr lang="en-US" sz="2000" dirty="0" smtClean="0"/>
+          </a:p>
+          <a:p>
+            <a:r>
+              <a:rPr lang="en-US" sz="2000" dirty="0" smtClean="0"/>
+              <a:t>Currently, there is a lack of automated software tools for live-cell detection, tracking, and quantification suitable for long term time-lapse microscopy experiments</a:t>
+            </a:r>
+          </a:p>
+          <a:p>
+            <a:pPr lvl="1"/>
+            <a:r>
+              <a:rPr lang="en-US" sz="2000" dirty="0" smtClean="0"/>
+              <a:t>Although long-term imaging is possible, </a:t>
+            </a:r>
+            <a:r>
+              <a:rPr lang="en-US" sz="2000" dirty="0" smtClean="0"/>
+              <a:t>issues like </a:t>
+            </a:r>
+            <a:r>
+              <a:rPr lang="en-US" sz="2000" dirty="0" err="1" smtClean="0"/>
+              <a:t>phototoxicity</a:t>
+            </a:r>
+            <a:r>
+              <a:rPr lang="en-US" sz="2000" dirty="0" smtClean="0"/>
+              <a:t> hinder the process</a:t>
+            </a:r>
+            <a:endParaRPr lang="en-US" sz="2000" dirty="0" smtClean="0"/>
+          </a:p>
+          <a:p>
+            <a:pPr lvl="1">
+              <a:buNone/>
+            </a:pPr>
+            <a:endParaRPr lang="en-US" sz="2000" dirty="0" smtClean="0"/>
+          </a:p>
+          <a:p>
+            <a:r>
+              <a:rPr lang="en-US" sz="2000" dirty="0" smtClean="0"/>
+              <a:t>One novel </a:t>
+            </a:r>
+            <a:r>
+              <a:rPr lang="en-US" sz="2000" dirty="0" smtClean="0"/>
+              <a:t>technique is to employ Phase Stretch Transform (PST)</a:t>
+            </a:r>
+          </a:p>
+          <a:p>
+            <a:endParaRPr lang="en-US" sz="2000" dirty="0" smtClean="0"/>
+          </a:p>
+          <a:p>
+            <a:endParaRPr lang="en-US" sz="1800" dirty="0" smtClean="0"/>
           </a:p>
         </p:txBody>
       </p:sp>
@@ -3580,7 +5015,12 @@
             <p:ph type="title"/>
           </p:nvPr>
         </p:nvSpPr>
-        <p:spPr/>
+        <p:spPr>
+          <a:xfrm>
+            <a:off x="457200" y="274638"/>
+            <a:ext cx="8229600" cy="639762"/>
+          </a:xfrm>
+        </p:spPr>
         <p:txBody>
           <a:bodyPr>
             <a:normAutofit/>
@@ -3589,7 +5029,7 @@
           <a:p>
             <a:r>
               <a:rPr lang="en-US" sz="3200" dirty="0" smtClean="0"/>
-              <a:t>Our Project</a:t>
+              <a:t>Phase Stretch Transform: Introduction</a:t>
             </a:r>
             <a:endParaRPr lang="en-US" sz="3200" dirty="0"/>
           </a:p>
@@ -3605,7 +5045,12 @@
             <p:ph idx="1"/>
           </p:nvPr>
         </p:nvSpPr>
-        <p:spPr/>
+        <p:spPr>
+          <a:xfrm>
+            <a:off x="457200" y="990600"/>
+            <a:ext cx="8229600" cy="5486400"/>
+          </a:xfrm>
+        </p:spPr>
         <p:txBody>
           <a:bodyPr>
             <a:normAutofit/>
@@ -3614,39 +5059,63 @@
           <a:p>
             <a:r>
               <a:rPr lang="en-US" sz="2000" dirty="0" smtClean="0"/>
-              <a:t>For our project:</a:t>
+              <a:t>PST is a physics-inspired, computational approach to signal and image processing with applications to feature detection and classification</a:t>
             </a:r>
           </a:p>
           <a:p>
             <a:pPr lvl="1"/>
             <a:r>
               <a:rPr lang="en-US" sz="1800" dirty="0" smtClean="0"/>
-              <a:t>Extend the algorithm to accommodate three dimensions</a:t>
+              <a:t>Transforms an image by emulating propagation of EM waves through a diffractive medium with frequency dependent refractive index</a:t>
             </a:r>
           </a:p>
           <a:p>
             <a:pPr lvl="1"/>
             <a:r>
               <a:rPr lang="en-US" sz="1800" dirty="0" smtClean="0"/>
-              <a:t>Analyze 3D + time dataset</a:t>
-            </a:r>
+              <a:t>The phase of the transform has properties which are useful for detection of edges and sharp transitions of an image</a:t>
+            </a:r>
+            <a:endParaRPr lang="en-US" sz="1800" dirty="0"/>
           </a:p>
           <a:p>
             <a:pPr lvl="1"/>
             <a:r>
               <a:rPr lang="en-US" sz="1800" dirty="0" smtClean="0"/>
-              <a:t>Visualize input and PST output </a:t>
+              <a:t>PST functionally operates similarly to phase-contrast microscopy</a:t>
+            </a:r>
+          </a:p>
+          <a:p>
+            <a:pPr lvl="1">
+              <a:buNone/>
+            </a:pPr>
+            <a:endParaRPr lang="en-US" sz="1800" dirty="0" smtClean="0"/>
+          </a:p>
+          <a:p>
+            <a:r>
+              <a:rPr lang="en-US" sz="2000" dirty="0" smtClean="0"/>
+              <a:t>PST has an inherent equalization ability that gives a response ideal for feature detection in low contrast, visually impaired images</a:t>
+            </a:r>
+          </a:p>
+          <a:p>
+            <a:endParaRPr lang="en-US" sz="2000" dirty="0"/>
+          </a:p>
+          <a:p>
+            <a:r>
+              <a:rPr lang="en-US" sz="2000" dirty="0" smtClean="0"/>
+              <a:t>Has roots in photonic phase time stretch </a:t>
+            </a:r>
+            <a:r>
+              <a:rPr lang="en-US" sz="2000" dirty="0" smtClean="0"/>
+              <a:t>technique</a:t>
             </a:r>
           </a:p>
           <a:p>
             <a:pPr lvl="1"/>
             <a:r>
-              <a:rPr lang="en-US" sz="1800" dirty="0" smtClean="0"/>
-              <a:t>Use PST edge maps to detect cells</a:t>
-            </a:r>
-          </a:p>
-          <a:p>
-            <a:endParaRPr lang="en-US" sz="2000" dirty="0"/>
+              <a:rPr lang="en-US" sz="1600" dirty="0" smtClean="0"/>
+              <a:t>Employs temporal dispersion to slow down, capture, and digitally process fast waveforms in real time</a:t>
+            </a:r>
+            <a:endParaRPr lang="en-US" sz="1600" dirty="0"/>
           </a:p>
         </p:txBody>
       </p:sp>
@@ -3655,6 +5124,13 @@
   <p:clrMapOvr>
     <a:masterClrMapping/>
   </p:clrMapOvr>
+  <p:timing>
+    <p:tnLst>
+      <p:par>
+        <p:cTn id="1" dur="indefinite" restart="never" nodeType="tmRoot"/>
+      </p:par>
+    </p:tnLst>
+  </p:timing>
 </p:sld>
 </file>
 
@@ -3685,16 +5161,23 @@
             <p:ph type="title"/>
           </p:nvPr>
         </p:nvSpPr>
-        <p:spPr/>
-        <p:txBody>
-          <a:bodyPr/>
-          <a:lstStyle/>
-          <a:p>
-            <a:r>
-              <a:rPr lang="en-US" dirty="0" smtClean="0"/>
-              <a:t>Results</a:t>
-            </a:r>
-            <a:endParaRPr lang="en-US" dirty="0"/>
+        <p:spPr>
+          <a:xfrm>
+            <a:off x="457200" y="274638"/>
+            <a:ext cx="8229600" cy="487362"/>
+          </a:xfrm>
+        </p:spPr>
+        <p:txBody>
+          <a:bodyPr>
+            <a:normAutofit fontScale="90000"/>
+          </a:bodyPr>
+          <a:lstStyle/>
+          <a:p>
+            <a:r>
+              <a:rPr lang="en-US" sz="3200" dirty="0" smtClean="0"/>
+              <a:t>Phase Stretch Transform: Mathematical Description</a:t>
+            </a:r>
+            <a:endParaRPr lang="en-US" sz="3200" dirty="0"/>
           </a:p>
         </p:txBody>
       </p:sp>
@@ -3708,20 +5191,302 @@
             <p:ph idx="1"/>
           </p:nvPr>
         </p:nvSpPr>
-        <p:spPr/>
-        <p:txBody>
-          <a:bodyPr/>
-          <a:lstStyle/>
-          <a:p>
-            <a:endParaRPr lang="en-US"/>
-          </a:p>
-        </p:txBody>
-      </p:sp>
+        <p:spPr>
+          <a:xfrm>
+            <a:off x="457200" y="990600"/>
+            <a:ext cx="8229600" cy="5135563"/>
+          </a:xfrm>
+        </p:spPr>
+        <p:txBody>
+          <a:bodyPr>
+            <a:normAutofit/>
+          </a:bodyPr>
+          <a:lstStyle/>
+          <a:p>
+            <a:r>
+              <a:rPr lang="en-US" sz="2000" dirty="0" smtClean="0"/>
+              <a:t>In this method, the input image is smoothed using a localization kernel and passed through a 2D,nonlinear, frequency dependent phase function</a:t>
+            </a:r>
+          </a:p>
+          <a:p>
+            <a:endParaRPr lang="en-US" sz="2000" dirty="0" smtClean="0"/>
+          </a:p>
+          <a:p>
+            <a:endParaRPr lang="en-US" sz="2000" dirty="0" smtClean="0"/>
+          </a:p>
+          <a:p>
+            <a:pPr>
+              <a:buNone/>
+            </a:pPr>
+            <a:endParaRPr lang="en-US" sz="2000" dirty="0" smtClean="0"/>
+          </a:p>
+          <a:p>
+            <a:r>
+              <a:rPr lang="en-US" sz="2000" dirty="0" smtClean="0"/>
+              <a:t>PST can be described in the frequency domain as…</a:t>
+            </a:r>
+          </a:p>
+          <a:p>
+            <a:pPr lvl="1">
+              <a:buNone/>
+            </a:pPr>
+            <a:endParaRPr lang="en-US" sz="2000" dirty="0" smtClean="0"/>
+          </a:p>
+          <a:p>
+            <a:pPr lvl="1">
+              <a:buNone/>
+            </a:pPr>
+            <a:endParaRPr lang="en-US" sz="1600" dirty="0" smtClean="0"/>
+          </a:p>
+          <a:p>
+            <a:r>
+              <a:rPr lang="en-US" sz="2000" dirty="0" smtClean="0"/>
+              <a:t>A common phase kernel used is one in which the kernel phase derivative is linear or sublinear </a:t>
+            </a:r>
+          </a:p>
+          <a:p>
+            <a:pPr lvl="1"/>
+            <a:r>
+              <a:rPr lang="en-US" sz="1600" dirty="0" smtClean="0"/>
+              <a:t>An example of such a phase derivative profiles is the inverse tangent function</a:t>
+            </a:r>
+          </a:p>
+          <a:p>
+            <a:pPr lvl="1"/>
+            <a:endParaRPr lang="en-US" sz="1600" dirty="0" smtClean="0"/>
+          </a:p>
+          <a:p>
+            <a:pPr lvl="1"/>
+            <a:endParaRPr lang="en-US" sz="1600" dirty="0" smtClean="0"/>
+          </a:p>
+          <a:p>
+            <a:endParaRPr lang="en-US" sz="2000" dirty="0" smtClean="0">
+              <a:solidFill>
+                <a:srgbClr val="FF0000"/>
+              </a:solidFill>
+            </a:endParaRPr>
+          </a:p>
+          <a:p>
+            <a:endParaRPr lang="en-US" sz="2000" dirty="0" smtClean="0"/>
+          </a:p>
+        </p:txBody>
+      </p:sp>
+      <p:pic>
+        <p:nvPicPr>
+          <p:cNvPr id="4" name="Picture 2"/>
+          <p:cNvPicPr>
+            <a:picLocks noChangeAspect="1" noChangeArrowheads="1"/>
+          </p:cNvPicPr>
+          <p:nvPr/>
+        </p:nvPicPr>
+        <p:blipFill>
+          <a:blip r:embed="rId4" cstate="print"/>
+          <a:srcRect/>
+          <a:stretch>
+            <a:fillRect/>
+          </a:stretch>
+        </p:blipFill>
+        <p:spPr bwMode="auto">
+          <a:xfrm>
+            <a:off x="1790700" y="1676400"/>
+            <a:ext cx="5562600" cy="990600"/>
+          </a:xfrm>
+          <a:prstGeom prst="rect">
+            <a:avLst/>
+          </a:prstGeom>
+          <a:noFill/>
+          <a:ln w="9525">
+            <a:noFill/>
+            <a:miter lim="800000"/>
+            <a:headEnd/>
+            <a:tailEnd/>
+          </a:ln>
+        </p:spPr>
+      </p:pic>
+      <p:sp>
+        <p:nvSpPr>
+          <p:cNvPr id="5" name="Rectangle 4"/>
+          <p:cNvSpPr/>
+          <p:nvPr/>
+        </p:nvSpPr>
+        <p:spPr>
+          <a:xfrm>
+            <a:off x="152400" y="6324600"/>
+            <a:ext cx="8839200" cy="369332"/>
+          </a:xfrm>
+          <a:prstGeom prst="rect">
+            <a:avLst/>
+          </a:prstGeom>
+        </p:spPr>
+        <p:txBody>
+          <a:bodyPr wrap="square">
+            <a:spAutoFit/>
+          </a:bodyPr>
+          <a:lstStyle/>
+          <a:p>
+            <a:r>
+              <a:rPr lang="en-US" dirty="0" smtClean="0">
+                <a:solidFill>
+                  <a:srgbClr val="FF0000"/>
+                </a:solidFill>
+              </a:rPr>
+              <a:t>Edge Detection in Digital Images Using Dispersive Phase Stretch Transform (source)</a:t>
+            </a:r>
+          </a:p>
+        </p:txBody>
+      </p:sp>
+      <p:graphicFrame>
+        <p:nvGraphicFramePr>
+          <p:cNvPr id="6" name="Object 5"/>
+          <p:cNvGraphicFramePr>
+            <a:graphicFrameLocks noChangeAspect="1"/>
+          </p:cNvGraphicFramePr>
+          <p:nvPr/>
+        </p:nvGraphicFramePr>
+        <p:xfrm>
+          <a:off x="892572" y="3240837"/>
+          <a:ext cx="7358856" cy="461549"/>
+        </p:xfrm>
+        <a:graphic>
+          <a:graphicData uri="http://schemas.openxmlformats.org/presentationml/2006/ole">
+            <mc:AlternateContent xmlns:mc="http://schemas.openxmlformats.org/markup-compatibility/2006">
+              <mc:Choice xmlns:v="urn:schemas-microsoft-com:vml" Requires="v">
+                <p:oleObj spid="_x0000_s1046" name="Equation" r:id="rId5" imgW="4851360" imgH="304560" progId="Equation.3">
+                  <p:embed/>
+                </p:oleObj>
+              </mc:Choice>
+              <mc:Fallback>
+                <p:oleObj name="Equation" r:id="rId5" imgW="4851360" imgH="304560" progId="Equation.3">
+                  <p:embed/>
+                  <p:pic>
+                    <p:nvPicPr>
+                      <p:cNvPr id="0" name="Picture 2"/>
+                      <p:cNvPicPr>
+                        <a:picLocks noChangeAspect="1" noChangeArrowheads="1"/>
+                      </p:cNvPicPr>
+                      <p:nvPr/>
+                    </p:nvPicPr>
+                    <p:blipFill>
+                      <a:blip r:embed="rId6">
+                        <a:extLst>
+                          <a:ext uri="{28A0092B-C50C-407E-A947-70E740481C1C}">
+                            <a14:useLocalDpi xmlns:a14="http://schemas.microsoft.com/office/drawing/2010/main" val="0"/>
+                          </a:ext>
+                        </a:extLst>
+                      </a:blip>
+                      <a:srcRect/>
+                      <a:stretch>
+                        <a:fillRect/>
+                      </a:stretch>
+                    </p:blipFill>
+                    <p:spPr bwMode="auto">
+                      <a:xfrm>
+                        <a:off x="892572" y="3240837"/>
+                        <a:ext cx="7358856" cy="461549"/>
+                      </a:xfrm>
+                      <a:prstGeom prst="rect">
+                        <a:avLst/>
+                      </a:prstGeom>
+                      <a:noFill/>
+                      <a:extLst>
+                        <a:ext uri="{909E8E84-426E-40DD-AFC4-6F175D3DCCD1}">
+                          <a14:hiddenFill xmlns:a14="http://schemas.microsoft.com/office/drawing/2010/main">
+                            <a:solidFill>
+                              <a:srgbClr val="FFFFFF"/>
+                            </a:solidFill>
+                          </a14:hiddenFill>
+                        </a:ext>
+                      </a:extLst>
+                    </p:spPr>
+                  </p:pic>
+                </p:oleObj>
+              </mc:Fallback>
+            </mc:AlternateContent>
+          </a:graphicData>
+        </a:graphic>
+      </p:graphicFrame>
+      <p:graphicFrame>
+        <p:nvGraphicFramePr>
+          <p:cNvPr id="1027" name="Object 3"/>
+          <p:cNvGraphicFramePr>
+            <a:graphicFrameLocks noChangeAspect="1"/>
+          </p:cNvGraphicFramePr>
+          <p:nvPr/>
+        </p:nvGraphicFramePr>
+        <p:xfrm>
+          <a:off x="1907382" y="4927600"/>
+          <a:ext cx="5329237" cy="787400"/>
+        </p:xfrm>
+        <a:graphic>
+          <a:graphicData uri="http://schemas.openxmlformats.org/presentationml/2006/ole">
+            <mc:AlternateContent xmlns:mc="http://schemas.openxmlformats.org/markup-compatibility/2006">
+              <mc:Choice xmlns:v="urn:schemas-microsoft-com:vml" Requires="v">
+                <p:oleObj spid="_x0000_s1047" name="Equation" r:id="rId7" imgW="3784320" imgH="558720" progId="Equation.3">
+                  <p:embed/>
+                </p:oleObj>
+              </mc:Choice>
+              <mc:Fallback>
+                <p:oleObj name="Equation" r:id="rId7" imgW="3784320" imgH="558720" progId="Equation.3">
+                  <p:embed/>
+                  <p:pic>
+                    <p:nvPicPr>
+                      <p:cNvPr id="0" name="Picture 3"/>
+                      <p:cNvPicPr>
+                        <a:picLocks noChangeAspect="1" noChangeArrowheads="1"/>
+                      </p:cNvPicPr>
+                      <p:nvPr/>
+                    </p:nvPicPr>
+                    <p:blipFill>
+                      <a:blip r:embed="rId8">
+                        <a:extLst>
+                          <a:ext uri="{28A0092B-C50C-407E-A947-70E740481C1C}">
+                            <a14:useLocalDpi xmlns:a14="http://schemas.microsoft.com/office/drawing/2010/main" val="0"/>
+                          </a:ext>
+                        </a:extLst>
+                      </a:blip>
+                      <a:srcRect/>
+                      <a:stretch>
+                        <a:fillRect/>
+                      </a:stretch>
+                    </p:blipFill>
+                    <p:spPr bwMode="auto">
+                      <a:xfrm>
+                        <a:off x="1907382" y="4927600"/>
+                        <a:ext cx="5329237" cy="787400"/>
+                      </a:xfrm>
+                      <a:prstGeom prst="rect">
+                        <a:avLst/>
+                      </a:prstGeom>
+                      <a:noFill/>
+                      <a:extLst>
+                        <a:ext uri="{909E8E84-426E-40DD-AFC4-6F175D3DCCD1}">
+                          <a14:hiddenFill xmlns:a14="http://schemas.microsoft.com/office/drawing/2010/main">
+                            <a:solidFill>
+                              <a:srgbClr val="FFFFFF"/>
+                            </a:solidFill>
+                          </a14:hiddenFill>
+                        </a:ext>
+                      </a:extLst>
+                    </p:spPr>
+                  </p:pic>
+                </p:oleObj>
+              </mc:Fallback>
+            </mc:AlternateContent>
+          </a:graphicData>
+        </a:graphic>
+      </p:graphicFrame>
     </p:spTree>
   </p:cSld>
   <p:clrMapOvr>
     <a:masterClrMapping/>
   </p:clrMapOvr>
+  <p:timing>
+    <p:tnLst>
+      <p:par>
+        <p:cTn id="1" dur="indefinite" restart="never" nodeType="tmRoot"/>
+      </p:par>
+    </p:tnLst>
+  </p:timing>
 </p:sld>
 </file>
 
@@ -3752,16 +5517,23 @@
             <p:ph type="title"/>
           </p:nvPr>
         </p:nvSpPr>
-        <p:spPr/>
-        <p:txBody>
-          <a:bodyPr/>
-          <a:lstStyle/>
-          <a:p>
-            <a:r>
-              <a:rPr lang="en-US" dirty="0" smtClean="0"/>
-              <a:t>Conclusion</a:t>
-            </a:r>
-            <a:endParaRPr lang="en-US" dirty="0"/>
+        <p:spPr>
+          <a:xfrm>
+            <a:off x="457200" y="274638"/>
+            <a:ext cx="8229600" cy="487362"/>
+          </a:xfrm>
+        </p:spPr>
+        <p:txBody>
+          <a:bodyPr>
+            <a:normAutofit fontScale="90000"/>
+          </a:bodyPr>
+          <a:lstStyle/>
+          <a:p>
+            <a:r>
+              <a:rPr lang="en-US" sz="3200" dirty="0" smtClean="0"/>
+              <a:t>Phase Stretch Transform: Mathematical Description</a:t>
+            </a:r>
+            <a:endParaRPr lang="en-US" sz="3200" dirty="0"/>
           </a:p>
         </p:txBody>
       </p:sp>
@@ -3775,12 +5547,130 @@
             <p:ph idx="1"/>
           </p:nvPr>
         </p:nvSpPr>
-        <p:spPr/>
-        <p:txBody>
-          <a:bodyPr/>
-          <a:lstStyle/>
-          <a:p>
-            <a:endParaRPr lang="en-US"/>
+        <p:spPr>
+          <a:xfrm>
+            <a:off x="457200" y="990600"/>
+            <a:ext cx="8229600" cy="5135563"/>
+          </a:xfrm>
+        </p:spPr>
+        <p:txBody>
+          <a:bodyPr>
+            <a:normAutofit/>
+          </a:bodyPr>
+          <a:lstStyle/>
+          <a:p>
+            <a:r>
+              <a:rPr lang="en-US" sz="2000" dirty="0" smtClean="0"/>
+              <a:t>Parameters S and W of the kernel control the edge detection process</a:t>
+            </a:r>
+          </a:p>
+          <a:p>
+            <a:pPr lvl="1"/>
+            <a:r>
+              <a:rPr lang="en-US" sz="1600" dirty="0" smtClean="0"/>
+              <a:t>In this method, there is a tradeoff between noise and spatial resolution in edge detection</a:t>
+            </a:r>
+          </a:p>
+          <a:p>
+            <a:pPr lvl="1"/>
+            <a:r>
+              <a:rPr lang="en-US" sz="1600" dirty="0" smtClean="0"/>
+              <a:t>Larger S results in better noise performance but lower spatial resolution; Larger W results in better resolution but also increases the noise</a:t>
+            </a:r>
+          </a:p>
+          <a:p>
+            <a:pPr marL="457200" lvl="1" indent="0">
+              <a:buNone/>
+            </a:pPr>
+            <a:endParaRPr lang="en-US" sz="1600" dirty="0" smtClean="0"/>
+          </a:p>
+          <a:p>
+            <a:pPr lvl="1"/>
+            <a:endParaRPr lang="en-US" sz="100" dirty="0" smtClean="0"/>
+          </a:p>
+          <a:p>
+            <a:r>
+              <a:rPr lang="en-US" sz="2000" dirty="0" smtClean="0"/>
+              <a:t>Once </a:t>
+            </a:r>
+            <a:r>
+              <a:rPr lang="en-US" sz="2000" dirty="0" smtClean="0"/>
+              <a:t>the PST is applied, the image is further post-processed. </a:t>
+            </a:r>
+          </a:p>
+          <a:p>
+            <a:pPr lvl="1"/>
+            <a:r>
+              <a:rPr lang="en-US" sz="1600" dirty="0" smtClean="0"/>
+              <a:t>For edge detection, post-processing </a:t>
+            </a:r>
+            <a:r>
+              <a:rPr lang="en-US" sz="1600" dirty="0" smtClean="0"/>
+              <a:t>can include </a:t>
+            </a:r>
+            <a:r>
+              <a:rPr lang="en-US" sz="1600" dirty="0" smtClean="0"/>
+              <a:t>cutting negative phase values, thresholding, and morphological </a:t>
+            </a:r>
+            <a:r>
+              <a:rPr lang="en-US" sz="1600" dirty="0" smtClean="0"/>
+              <a:t>operations</a:t>
+            </a:r>
+          </a:p>
+          <a:p>
+            <a:pPr lvl="1"/>
+            <a:r>
+              <a:rPr lang="en-US" sz="1600" dirty="0" smtClean="0"/>
+              <a:t>The image edges can be extracted by </a:t>
+            </a:r>
+            <a:r>
+              <a:rPr lang="en-US" sz="1600" dirty="0" err="1" smtClean="0"/>
+              <a:t>thresholding</a:t>
+            </a:r>
+            <a:r>
+              <a:rPr lang="en-US" sz="1600" dirty="0" smtClean="0"/>
+              <a:t> the PST output phase image</a:t>
+            </a:r>
+            <a:endParaRPr lang="en-US" sz="1600" dirty="0" smtClean="0"/>
+          </a:p>
+          <a:p>
+            <a:pPr lvl="1"/>
+            <a:endParaRPr lang="en-US" sz="1600" dirty="0" smtClean="0"/>
+          </a:p>
+          <a:p>
+            <a:endParaRPr lang="en-US" sz="2000" dirty="0" smtClean="0"/>
+          </a:p>
+        </p:txBody>
+      </p:sp>
+      <p:sp>
+        <p:nvSpPr>
+          <p:cNvPr id="5" name="Rectangle 4"/>
+          <p:cNvSpPr/>
+          <p:nvPr/>
+        </p:nvSpPr>
+        <p:spPr>
+          <a:xfrm>
+            <a:off x="152400" y="6324600"/>
+            <a:ext cx="8839200" cy="369332"/>
+          </a:xfrm>
+          <a:prstGeom prst="rect">
+            <a:avLst/>
+          </a:prstGeom>
+        </p:spPr>
+        <p:txBody>
+          <a:bodyPr wrap="square">
+            <a:spAutoFit/>
+          </a:bodyPr>
+          <a:lstStyle/>
+          <a:p>
+            <a:r>
+              <a:rPr lang="en-US" dirty="0" smtClean="0">
+                <a:solidFill>
+                  <a:srgbClr val="FF0000"/>
+                </a:solidFill>
+              </a:rPr>
+              <a:t>Edge Detection in Digital Images Using Dispersive Phase Stretch Transform (source)</a:t>
+            </a:r>
           </a:p>
         </p:txBody>
       </p:sp>
@@ -3789,6 +5679,308 @@
   <p:clrMapOvr>
     <a:masterClrMapping/>
   </p:clrMapOvr>
+  <p:timing>
+    <p:tnLst>
+      <p:par>
+        <p:cTn id="1" dur="indefinite" restart="never" nodeType="tmRoot"/>
+      </p:par>
+    </p:tnLst>
+  </p:timing>
+</p:sld>
+</file>
+
+<file path=ppt/slides/slide8.xml><?xml version="1.0" encoding="utf-8"?>
+<p:sld xmlns:a="http://schemas.openxmlformats.org/drawingml/2006/main" xmlns:r="http://schemas.openxmlformats.org/officeDocument/2006/relationships" xmlns:p="http://schemas.openxmlformats.org/presentationml/2006/main">
+  <p:cSld>
+    <p:spTree>
+      <p:nvGrpSpPr>
+        <p:cNvPr id="1" name=""/>
+        <p:cNvGrpSpPr/>
+        <p:nvPr/>
+      </p:nvGrpSpPr>
+      <p:grpSpPr>
+        <a:xfrm>
+          <a:off x="0" y="0"/>
+          <a:ext cx="0" cy="0"/>
+          <a:chOff x="0" y="0"/>
+          <a:chExt cx="0" cy="0"/>
+        </a:xfrm>
+      </p:grpSpPr>
+      <p:sp>
+        <p:nvSpPr>
+          <p:cNvPr id="2" name="Title 1"/>
+          <p:cNvSpPr>
+            <a:spLocks noGrp="1"/>
+          </p:cNvSpPr>
+          <p:nvPr>
+            <p:ph type="title"/>
+          </p:nvPr>
+        </p:nvSpPr>
+        <p:spPr>
+          <a:xfrm>
+            <a:off x="304800" y="304800"/>
+            <a:ext cx="8229600" cy="715962"/>
+          </a:xfrm>
+        </p:spPr>
+        <p:txBody>
+          <a:bodyPr>
+            <a:normAutofit/>
+          </a:bodyPr>
+          <a:lstStyle/>
+          <a:p>
+            <a:r>
+              <a:rPr lang="en-US" sz="3200" dirty="0" smtClean="0"/>
+              <a:t>Extending the Algorithm to 3D</a:t>
+            </a:r>
+            <a:endParaRPr lang="en-US" sz="3200" dirty="0"/>
+          </a:p>
+        </p:txBody>
+      </p:sp>
+      <p:sp>
+        <p:nvSpPr>
+          <p:cNvPr id="3" name="Content Placeholder 2"/>
+          <p:cNvSpPr>
+            <a:spLocks noGrp="1"/>
+          </p:cNvSpPr>
+          <p:nvPr>
+            <p:ph idx="1"/>
+          </p:nvPr>
+        </p:nvSpPr>
+        <p:spPr>
+          <a:xfrm>
+            <a:off x="457200" y="1020762"/>
+            <a:ext cx="8229600" cy="5059363"/>
+          </a:xfrm>
+        </p:spPr>
+        <p:txBody>
+          <a:bodyPr>
+            <a:normAutofit/>
+          </a:bodyPr>
+          <a:lstStyle/>
+          <a:p>
+            <a:r>
+              <a:rPr lang="en-US" sz="2000" dirty="0" smtClean="0">
+                <a:solidFill>
+                  <a:srgbClr val="FF0000"/>
+                </a:solidFill>
+              </a:rPr>
+              <a:t>Add and describe code changes here</a:t>
+            </a:r>
+            <a:endParaRPr lang="en-US" sz="2400" dirty="0">
+              <a:solidFill>
+                <a:srgbClr val="FF0000"/>
+              </a:solidFill>
+            </a:endParaRPr>
+          </a:p>
+          <a:p>
+            <a:endParaRPr lang="en-US" sz="2000" dirty="0" smtClean="0"/>
+          </a:p>
+          <a:p>
+            <a:endParaRPr lang="en-US" sz="2200" dirty="0" smtClean="0"/>
+          </a:p>
+          <a:p>
+            <a:endParaRPr lang="en-US" sz="2000" dirty="0" smtClean="0"/>
+          </a:p>
+          <a:p>
+            <a:endParaRPr lang="en-US" sz="2000" dirty="0"/>
+          </a:p>
+        </p:txBody>
+      </p:sp>
+    </p:spTree>
+  </p:cSld>
+  <p:clrMapOvr>
+    <a:masterClrMapping/>
+  </p:clrMapOvr>
+  <p:timing>
+    <p:tnLst>
+      <p:par>
+        <p:cTn id="1" dur="indefinite" restart="never" nodeType="tmRoot"/>
+      </p:par>
+    </p:tnLst>
+  </p:timing>
+</p:sld>
+</file>
+
+<file path=ppt/slides/slide9.xml><?xml version="1.0" encoding="utf-8"?>
+<p:sld xmlns:a="http://schemas.openxmlformats.org/drawingml/2006/main" xmlns:r="http://schemas.openxmlformats.org/officeDocument/2006/relationships" xmlns:p="http://schemas.openxmlformats.org/presentationml/2006/main">
+  <p:cSld>
+    <p:spTree>
+      <p:nvGrpSpPr>
+        <p:cNvPr id="1" name=""/>
+        <p:cNvGrpSpPr/>
+        <p:nvPr/>
+      </p:nvGrpSpPr>
+      <p:grpSpPr>
+        <a:xfrm>
+          <a:off x="0" y="0"/>
+          <a:ext cx="0" cy="0"/>
+          <a:chOff x="0" y="0"/>
+          <a:chExt cx="0" cy="0"/>
+        </a:xfrm>
+      </p:grpSpPr>
+      <p:sp>
+        <p:nvSpPr>
+          <p:cNvPr id="2" name="Title 1"/>
+          <p:cNvSpPr>
+            <a:spLocks noGrp="1"/>
+          </p:cNvSpPr>
+          <p:nvPr>
+            <p:ph type="title"/>
+          </p:nvPr>
+        </p:nvSpPr>
+        <p:spPr>
+          <a:xfrm>
+            <a:off x="457200" y="274638"/>
+            <a:ext cx="8229600" cy="487362"/>
+          </a:xfrm>
+        </p:spPr>
+        <p:txBody>
+          <a:bodyPr>
+            <a:normAutofit fontScale="90000"/>
+          </a:bodyPr>
+          <a:lstStyle/>
+          <a:p>
+            <a:r>
+              <a:rPr lang="en-US" sz="3200" dirty="0" smtClean="0"/>
+              <a:t>Effect of PST on </a:t>
+            </a:r>
+            <a:r>
+              <a:rPr lang="en-US" sz="3200" dirty="0" smtClean="0"/>
+              <a:t>O</a:t>
+            </a:r>
+            <a:r>
+              <a:rPr lang="en-US" sz="3200" dirty="0" smtClean="0"/>
+              <a:t>riginal Image</a:t>
+            </a:r>
+            <a:endParaRPr lang="en-US" sz="3200" dirty="0"/>
+          </a:p>
+        </p:txBody>
+      </p:sp>
+      <p:sp>
+        <p:nvSpPr>
+          <p:cNvPr id="3" name="Content Placeholder 2"/>
+          <p:cNvSpPr>
+            <a:spLocks noGrp="1"/>
+          </p:cNvSpPr>
+          <p:nvPr>
+            <p:ph idx="1"/>
+          </p:nvPr>
+        </p:nvSpPr>
+        <p:spPr>
+          <a:xfrm>
+            <a:off x="457200" y="990600"/>
+            <a:ext cx="8229600" cy="5135563"/>
+          </a:xfrm>
+        </p:spPr>
+        <p:txBody>
+          <a:bodyPr>
+            <a:normAutofit/>
+          </a:bodyPr>
+          <a:lstStyle/>
+          <a:p>
+            <a:r>
+              <a:rPr lang="en-US" sz="2000" dirty="0" smtClean="0"/>
+              <a:t>Below is a single frame of the data set</a:t>
+            </a:r>
+            <a:endParaRPr lang="en-US" sz="2000" dirty="0"/>
+          </a:p>
+          <a:p>
+            <a:r>
+              <a:rPr lang="en-US" sz="2000" dirty="0" smtClean="0"/>
+              <a:t>To improve the image post PST, we up the contrast of the original image before passing it through the PST</a:t>
+            </a:r>
+          </a:p>
+        </p:txBody>
+      </p:sp>
+      <p:sp>
+        <p:nvSpPr>
+          <p:cNvPr id="5" name="Rectangle 4"/>
+          <p:cNvSpPr/>
+          <p:nvPr/>
+        </p:nvSpPr>
+        <p:spPr>
+          <a:xfrm>
+            <a:off x="152400" y="6324600"/>
+            <a:ext cx="8839200" cy="369332"/>
+          </a:xfrm>
+          <a:prstGeom prst="rect">
+            <a:avLst/>
+          </a:prstGeom>
+        </p:spPr>
+        <p:txBody>
+          <a:bodyPr wrap="square">
+            <a:spAutoFit/>
+          </a:bodyPr>
+          <a:lstStyle/>
+          <a:p>
+            <a:endParaRPr lang="en-US" dirty="0" smtClean="0">
+              <a:solidFill>
+                <a:srgbClr val="FF0000"/>
+              </a:solidFill>
+            </a:endParaRPr>
+          </a:p>
+        </p:txBody>
+      </p:sp>
+      <p:pic>
+        <p:nvPicPr>
+          <p:cNvPr id="4" name="Picture 3"/>
+          <p:cNvPicPr>
+            <a:picLocks noChangeAspect="1"/>
+          </p:cNvPicPr>
+          <p:nvPr/>
+        </p:nvPicPr>
+        <p:blipFill>
+          <a:blip r:embed="rId3"/>
+          <a:stretch>
+            <a:fillRect/>
+          </a:stretch>
+        </p:blipFill>
+        <p:spPr>
+          <a:xfrm>
+            <a:off x="76200" y="2209800"/>
+            <a:ext cx="4620690" cy="3916363"/>
+          </a:xfrm>
+          <a:prstGeom prst="rect">
+            <a:avLst/>
+          </a:prstGeom>
+        </p:spPr>
+      </p:pic>
+      <p:pic>
+        <p:nvPicPr>
+          <p:cNvPr id="6" name="Picture 5"/>
+          <p:cNvPicPr>
+            <a:picLocks noChangeAspect="1"/>
+          </p:cNvPicPr>
+          <p:nvPr/>
+        </p:nvPicPr>
+        <p:blipFill>
+          <a:blip r:embed="rId4"/>
+          <a:stretch>
+            <a:fillRect/>
+          </a:stretch>
+        </p:blipFill>
+        <p:spPr>
+          <a:xfrm>
+            <a:off x="4495800" y="2209800"/>
+            <a:ext cx="4359898" cy="3810001"/>
+          </a:xfrm>
+          <a:prstGeom prst="rect">
+            <a:avLst/>
+          </a:prstGeom>
+        </p:spPr>
+      </p:pic>
+    </p:spTree>
+  </p:cSld>
+  <p:clrMapOvr>
+    <a:masterClrMapping/>
+  </p:clrMapOvr>
+  <p:timing>
+    <p:tnLst>
+      <p:par>
+        <p:cTn id="1" dur="indefinite" restart="never" nodeType="tmRoot"/>
+      </p:par>
+    </p:tnLst>
+  </p:timing>
 </p:sld>
 </file>
 
@@ -4073,4 +6265,287 @@
   <a:objectDefaults/>
   <a:extraClrSchemeLst/>
 </a:theme>
+</file>
+
+<file path=ppt/theme/theme2.xml><?xml version="1.0" encoding="utf-8"?>
+<a:theme xmlns:a="http://schemas.openxmlformats.org/drawingml/2006/main" name="Office Theme">
+  <a:themeElements>
+    <a:clrScheme name="Office">
+      <a:dk1>
+        <a:sysClr val="windowText" lastClr="000000"/>
+      </a:dk1>
+      <a:lt1>
+        <a:sysClr val="window" lastClr="FFFFFF"/>
+      </a:lt1>
+      <a:dk2>
+        <a:srgbClr val="1F497D"/>
+      </a:dk2>
+      <a:lt2>
+        <a:srgbClr val="EEECE1"/>
+      </a:lt2>
+      <a:accent1>
+        <a:srgbClr val="4F81BD"/>
+      </a:accent1>
+      <a:accent2>
+        <a:srgbClr val="C0504D"/>
+      </a:accent2>
+      <a:accent3>
+        <a:srgbClr val="9BBB59"/>
+      </a:accent3>
+      <a:accent4>
+        <a:srgbClr val="8064A2"/>
+      </a:accent4>
+      <a:accent5>
+        <a:srgbClr val="4BACC6"/>
+      </a:accent5>
+      <a:accent6>
+        <a:srgbClr val="F79646"/>
+      </a:accent6>
+      <a:hlink>
+        <a:srgbClr val="0000FF"/>
+      </a:hlink>
+      <a:folHlink>
+        <a:srgbClr val="800080"/>
+      </a:folHlink>
+    </a:clrScheme>
+    <a:fontScheme name="Office">
+      <a:majorFont>
+        <a:latin typeface="Calibri"/>
+        <a:ea typeface=""/>
+        <a:cs typeface=""/>
+        <a:font script="Jpan" typeface="ＭＳ Ｐゴシック"/>
+        <a:font script="Hang" typeface="맑은 고딕"/>
+        <a:font script="Hans" typeface="宋体"/>
+        <a:font script="Hant" typeface="新細明體"/>
+        <a:font script="Arab" typeface="Times New Roman"/>
+        <a:font script="Hebr" typeface="Times New Roman"/>
+        <a:font script="Thai" typeface="Angsana New"/>
+        <a:font script="Ethi" typeface="Nyala"/>
+        <a:font script="Beng" typeface="Vrinda"/>
+        <a:font script="Gujr" typeface="Shruti"/>
+        <a:font script="Khmr" typeface="MoolBoran"/>
+        <a:font script="Knda" typeface="Tunga"/>
+        <a:font script="Guru" typeface="Raavi"/>
+        <a:font script="Cans" typeface="Euphemia"/>
+        <a:font script="Cher" typeface="Plantagenet Cherokee"/>
+        <a:font script="Yiii" typeface="Microsoft Yi Baiti"/>
+        <a:font script="Tibt" typeface="Microsoft Himalaya"/>
+        <a:font script="Thaa" typeface="MV Boli"/>
+        <a:font script="Deva" typeface="Mangal"/>
+        <a:font script="Telu" typeface="Gautami"/>
+        <a:font script="Taml" typeface="Latha"/>
+        <a:font script="Syrc" typeface="Estrangelo Edessa"/>
+        <a:font script="Orya" typeface="Kalinga"/>
+        <a:font script="Mlym" typeface="Kartika"/>
+        <a:font script="Laoo" typeface="DokChampa"/>
+        <a:font script="Sinh" typeface="Iskoola Pota"/>
+        <a:font script="Mong" typeface="Mongolian Baiti"/>
+        <a:font script="Viet" typeface="Times New Roman"/>
+        <a:font script="Uigh" typeface="Microsoft Uighur"/>
+      </a:majorFont>
+      <a:minorFont>
+        <a:latin typeface="Calibri"/>
+        <a:ea typeface=""/>
+        <a:cs typeface=""/>
+        <a:font script="Jpan" typeface="ＭＳ Ｐゴシック"/>
+        <a:font script="Hang" typeface="맑은 고딕"/>
+        <a:font script="Hans" typeface="宋体"/>
+        <a:font script="Hant" typeface="新細明體"/>
+        <a:font script="Arab" typeface="Arial"/>
+        <a:font script="Hebr" typeface="Arial"/>
+        <a:font script="Thai" typeface="Cordia New"/>
+        <a:font script="Ethi" typeface="Nyala"/>
+        <a:font script="Beng" typeface="Vrinda"/>
+        <a:font script="Gujr" typeface="Shruti"/>
+        <a:font script="Khmr" typeface="DaunPenh"/>
+        <a:font script="Knda" typeface="Tunga"/>
+        <a:font script="Guru" typeface="Raavi"/>
+        <a:font script="Cans" typeface="Euphemia"/>
+        <a:font script="Cher" typeface="Plantagenet Cherokee"/>
+        <a:font script="Yiii" typeface="Microsoft Yi Baiti"/>
+        <a:font script="Tibt" typeface="Microsoft Himalaya"/>
+        <a:font script="Thaa" typeface="MV Boli"/>
+        <a:font script="Deva" typeface="Mangal"/>
+        <a:font script="Telu" typeface="Gautami"/>
+        <a:font script="Taml" typeface="Latha"/>
+        <a:font script="Syrc" typeface="Estrangelo Edessa"/>
+        <a:font script="Orya" typeface="Kalinga"/>
+        <a:font script="Mlym" typeface="Kartika"/>
+        <a:font script="Laoo" typeface="DokChampa"/>
+        <a:font script="Sinh" typeface="Iskoola Pota"/>
+        <a:font script="Mong" typeface="Mongolian Baiti"/>
+        <a:font script="Viet" typeface="Arial"/>
+        <a:font script="Uigh" typeface="Microsoft Uighur"/>
+      </a:minorFont>
+    </a:fontScheme>
+    <a:fmtScheme name="Office">
+      <a:fillStyleLst>
+        <a:solidFill>
+          <a:schemeClr val="phClr"/>
+        </a:solidFill>
+        <a:gradFill rotWithShape="1">
+          <a:gsLst>
+            <a:gs pos="0">
+              <a:schemeClr val="phClr">
+                <a:tint val="50000"/>
+                <a:satMod val="300000"/>
+              </a:schemeClr>
+            </a:gs>
+            <a:gs pos="35000">
+              <a:schemeClr val="phClr">
+                <a:tint val="37000"/>
+                <a:satMod val="300000"/>
+              </a:schemeClr>
+            </a:gs>
+            <a:gs pos="100000">
+              <a:schemeClr val="phClr">
+                <a:tint val="15000"/>
+                <a:satMod val="350000"/>
+              </a:schemeClr>
+            </a:gs>
+          </a:gsLst>
+          <a:lin ang="16200000" scaled="1"/>
+        </a:gradFill>
+        <a:gradFill rotWithShape="1">
+          <a:gsLst>
+            <a:gs pos="0">
+              <a:schemeClr val="phClr">
+                <a:shade val="51000"/>
+                <a:satMod val="130000"/>
+              </a:schemeClr>
+            </a:gs>
+            <a:gs pos="80000">
+              <a:schemeClr val="phClr">
+                <a:shade val="93000"/>
+                <a:satMod val="130000"/>
+              </a:schemeClr>
+            </a:gs>
+            <a:gs pos="100000">
+              <a:schemeClr val="phClr">
+                <a:shade val="94000"/>
+                <a:satMod val="135000"/>
+              </a:schemeClr>
+            </a:gs>
+          </a:gsLst>
+          <a:lin ang="16200000" scaled="0"/>
+        </a:gradFill>
+      </a:fillStyleLst>
+      <a:lnStyleLst>
+        <a:ln w="9525" cap="flat" cmpd="sng" algn="ctr">
+          <a:solidFill>
+            <a:schemeClr val="phClr">
+              <a:shade val="95000"/>
+              <a:satMod val="105000"/>
+            </a:schemeClr>
+          </a:solidFill>
+          <a:prstDash val="solid"/>
+        </a:ln>
+        <a:ln w="25400" cap="flat" cmpd="sng" algn="ctr">
+          <a:solidFill>
+            <a:schemeClr val="phClr"/>
+          </a:solidFill>
+          <a:prstDash val="solid"/>
+        </a:ln>
+        <a:ln w="38100" cap="flat" cmpd="sng" algn="ctr">
+          <a:solidFill>
+            <a:schemeClr val="phClr"/>
+          </a:solidFill>
+          <a:prstDash val="solid"/>
+        </a:ln>
+      </a:lnStyleLst>
+      <a:effectStyleLst>
+        <a:effectStyle>
+          <a:effectLst>
+            <a:outerShdw blurRad="40000" dist="20000" dir="5400000" rotWithShape="0">
+              <a:srgbClr val="000000">
+                <a:alpha val="38000"/>
+              </a:srgbClr>
+            </a:outerShdw>
+          </a:effectLst>
+        </a:effectStyle>
+        <a:effectStyle>
+          <a:effectLst>
+            <a:outerShdw blurRad="40000" dist="23000" dir="5400000" rotWithShape="0">
+              <a:srgbClr val="000000">
+                <a:alpha val="35000"/>
+              </a:srgbClr>
+            </a:outerShdw>
+          </a:effectLst>
+        </a:effectStyle>
+        <a:effectStyle>
+          <a:effectLst>
+            <a:outerShdw blurRad="40000" dist="23000" dir="5400000" rotWithShape="0">
+              <a:srgbClr val="000000">
+                <a:alpha val="35000"/>
+              </a:srgbClr>
+            </a:outerShdw>
+          </a:effectLst>
+          <a:scene3d>
+            <a:camera prst="orthographicFront">
+              <a:rot lat="0" lon="0" rev="0"/>
+            </a:camera>
+            <a:lightRig rig="threePt" dir="t">
+              <a:rot lat="0" lon="0" rev="1200000"/>
+            </a:lightRig>
+          </a:scene3d>
+          <a:sp3d>
+            <a:bevelT w="63500" h="25400"/>
+          </a:sp3d>
+        </a:effectStyle>
+      </a:effectStyleLst>
+      <a:bgFillStyleLst>
+        <a:solidFill>
+          <a:schemeClr val="phClr"/>
+        </a:solidFill>
+        <a:gradFill rotWithShape="1">
+          <a:gsLst>
+            <a:gs pos="0">
+              <a:schemeClr val="phClr">
+                <a:tint val="40000"/>
+                <a:satMod val="350000"/>
+              </a:schemeClr>
+            </a:gs>
+            <a:gs pos="40000">
+              <a:schemeClr val="phClr">
+                <a:tint val="45000"/>
+                <a:shade val="99000"/>
+                <a:satMod val="350000"/>
+              </a:schemeClr>
+            </a:gs>
+            <a:gs pos="100000">
+              <a:schemeClr val="phClr">
+                <a:shade val="20000"/>
+                <a:satMod val="255000"/>
+              </a:schemeClr>
+            </a:gs>
+          </a:gsLst>
+          <a:path path="circle">
+            <a:fillToRect l="50000" t="-80000" r="50000" b="180000"/>
+          </a:path>
+        </a:gradFill>
+        <a:gradFill rotWithShape="1">
+          <a:gsLst>
+            <a:gs pos="0">
+              <a:schemeClr val="phClr">
+                <a:tint val="80000"/>
+                <a:satMod val="300000"/>
+              </a:schemeClr>
+            </a:gs>
+            <a:gs pos="100000">
+              <a:schemeClr val="phClr">
+                <a:shade val="30000"/>
+                <a:satMod val="200000"/>
+              </a:schemeClr>
+            </a:gs>
+          </a:gsLst>
+          <a:path path="circle">
+            <a:fillToRect l="50000" t="50000" r="50000" b="50000"/>
+          </a:path>
+        </a:gradFill>
+      </a:bgFillStyleLst>
+    </a:fmtScheme>
+  </a:themeElements>
+  <a:objectDefaults/>
+  <a:extraClrSchemeLst/>
+</a:theme>
 </file>